--- a/Data_PowerPoint.pptx
+++ b/Data_PowerPoint.pptx
@@ -23,15 +23,14 @@
     <p:sldId id="264" r:id="rId17"/>
     <p:sldId id="270" r:id="rId18"/>
     <p:sldId id="267" r:id="rId19"/>
-    <p:sldId id="268" r:id="rId20"/>
-    <p:sldId id="286" r:id="rId21"/>
-    <p:sldId id="269" r:id="rId22"/>
-    <p:sldId id="271" r:id="rId23"/>
-    <p:sldId id="272" r:id="rId24"/>
-    <p:sldId id="273" r:id="rId25"/>
-    <p:sldId id="274" r:id="rId26"/>
-    <p:sldId id="276" r:id="rId27"/>
-    <p:sldId id="290" r:id="rId28"/>
+    <p:sldId id="286" r:id="rId20"/>
+    <p:sldId id="269" r:id="rId21"/>
+    <p:sldId id="271" r:id="rId22"/>
+    <p:sldId id="272" r:id="rId23"/>
+    <p:sldId id="273" r:id="rId24"/>
+    <p:sldId id="274" r:id="rId25"/>
+    <p:sldId id="276" r:id="rId26"/>
+    <p:sldId id="290" r:id="rId27"/>
   </p:sldIdLst>
   <p:sldSz cx="12192000" cy="6858000"/>
   <p:notesSz cx="6858000" cy="9144000"/>
@@ -141,24 +140,27 @@
 <file path=ppt/revisionInfo.xml><?xml version="1.0" encoding="utf-8"?>
 <p1510:revInfo xmlns:a="http://schemas.openxmlformats.org/drawingml/2006/main" xmlns:r="http://schemas.openxmlformats.org/officeDocument/2006/relationships" xmlns:p1510="http://schemas.microsoft.com/office/powerpoint/2015/10/main">
   <p1510:revLst>
+    <p1510:client id="{1B93CE0C-536B-7C6E-0537-BAC9A62A0F96}" v="18" dt="2025-11-20T21:38:22.842"/>
     <p1510:client id="{1F89C326-AF3F-EDBB-9CD7-E153B3CAF6E4}" v="49" dt="2025-11-20T19:44:59.727"/>
+    <p1510:client id="{29DC52C2-4471-EB52-4D5E-0FA390ADF78D}" v="63" dt="2025-11-21T13:46:16.866"/>
     <p1510:client id="{4464FE1C-A279-2AC0-450C-3A4F6D43626F}" v="212" dt="2025-11-19T18:27:25.610"/>
     <p1510:client id="{4A42A010-8270-0CB9-3E92-EFA6455CF119}" v="120" dt="2025-11-20T16:15:49.511"/>
     <p1510:client id="{6174C616-9725-1CA2-4D1C-18958ECE799A}" v="275" dt="2025-11-19T18:53:37.332"/>
     <p1510:client id="{78C2D277-E9A5-A3DD-9AB2-01BD7D2FBF5E}" v="113" dt="2025-11-20T20:17:55.631"/>
+    <p1510:client id="{78F99CBC-5E80-EDA9-6C67-20758665BB6D}" v="25" dt="2025-11-20T21:34:45.232"/>
     <p1510:client id="{7C9D1C8C-377C-BB1B-7473-A531B5FADA08}" v="276" dt="2025-11-19T22:21:30.638"/>
     <p1510:client id="{7E9AF743-F449-0692-A3FB-CE631562D594}" v="68" dt="2025-11-19T21:14:07.392"/>
+    <p1510:client id="{84AFF881-A96F-1FAB-B722-6EB1BD5DF689}" v="92" dt="2025-11-20T21:08:11.984"/>
     <p1510:client id="{8B93C67A-F2C8-68C6-1CDB-E95350FB05E3}" v="46" dt="2025-11-20T15:51:01.498"/>
     <p1510:client id="{94D7B5EE-F089-6411-A745-ED44EB6E53BB}" v="33" dt="2025-11-20T15:44:38.203"/>
-    <p1510:client id="{9608F5AE-6E9B-B894-DF0E-D7BCCD69C085}" v="57" dt="2025-11-19T12:45:34.647"/>
     <p1510:client id="{99D2A470-4A53-F08C-85C9-2DDA6C1DA458}" v="45" dt="2025-11-19T20:15:52.861"/>
     <p1510:client id="{9A9EE4C3-A26E-799D-CE55-2F4DAD86BF71}" v="61" dt="2025-11-20T19:29:35.092"/>
     <p1510:client id="{BEF50A31-4811-5B25-3DAC-B94AD8F1BDC3}" v="587" dt="2025-11-20T19:56:17.563"/>
     <p1510:client id="{C1890312-F4BF-5D82-84C3-A47DDFA44D8A}" v="141" dt="2025-11-20T16:51:45.521"/>
     <p1510:client id="{E2396251-AB3A-A0BF-057A-73F4081C2E91}" v="153" dt="2025-11-19T22:14:20.791"/>
+    <p1510:client id="{E7D3C7A4-9F1E-E8A8-A62B-3D8BE9FF7B3B}" v="36" dt="2025-11-21T13:28:30.473"/>
     <p1510:client id="{EA7E481D-AE26-22CF-0A21-6E52481976F7}" v="103" dt="2025-11-19T19:39:38.096"/>
     <p1510:client id="{ED19B86C-18F6-11FB-171F-FDA8E1FC52F3}" v="1226" dt="2025-11-19T20:49:35.141"/>
-    <p1510:client id="{F7D8D756-0D9E-74B1-7C95-A997E0FF10A0}" v="1" dt="2025-11-19T12:19:47.541"/>
   </p1510:revLst>
 </p1510:revInfo>
 </file>
@@ -314,7 +316,7 @@
           <a:p>
             <a:fld id="{12575099-B3AD-44D7-919B-BCB6DC3E7F21}" type="datetimeFigureOut">
               <a:rPr lang="en-US" dirty="0"/>
-              <a:t>11/20/2025</a:t>
+              <a:t>11/21/2025</a:t>
             </a:fld>
             <a:endParaRPr lang="en-US"/>
           </a:p>
@@ -521,7 +523,7 @@
           <a:p>
             <a:fld id="{F18115DA-6CBC-4AEF-A85F-371C66916CF8}" type="datetimeFigureOut">
               <a:rPr lang="en-US" dirty="0"/>
-              <a:t>11/20/2025</a:t>
+              <a:t>11/21/2025</a:t>
             </a:fld>
             <a:endParaRPr lang="en-US"/>
           </a:p>
@@ -738,7 +740,7 @@
           <a:p>
             <a:fld id="{2A6007E4-95E8-4ABC-B20B-51235318A487}" type="datetimeFigureOut">
               <a:rPr lang="en-US" dirty="0"/>
-              <a:t>11/20/2025</a:t>
+              <a:t>11/21/2025</a:t>
             </a:fld>
             <a:endParaRPr lang="en-US"/>
           </a:p>
@@ -945,7 +947,7 @@
           <a:p>
             <a:fld id="{2A4BF121-2723-4D35-ADA9-215CD054C4BC}" type="datetimeFigureOut">
               <a:rPr lang="en-US" dirty="0"/>
-              <a:t>11/20/2025</a:t>
+              <a:t>11/21/2025</a:t>
             </a:fld>
             <a:endParaRPr lang="en-US"/>
           </a:p>
@@ -1229,7 +1231,7 @@
           <a:p>
             <a:fld id="{C54F54BA-4BC6-480F-839C-951A49B248A9}" type="datetimeFigureOut">
               <a:rPr lang="en-US" dirty="0"/>
-              <a:t>11/20/2025</a:t>
+              <a:t>11/21/2025</a:t>
             </a:fld>
             <a:endParaRPr lang="en-US"/>
           </a:p>
@@ -1508,7 +1510,7 @@
           <a:p>
             <a:fld id="{0F9DD0EA-4726-4440-BF9D-E88296FC3068}" type="datetimeFigureOut">
               <a:rPr lang="en-US" dirty="0"/>
-              <a:t>11/20/2025</a:t>
+              <a:t>11/21/2025</a:t>
             </a:fld>
             <a:endParaRPr lang="en-US"/>
           </a:p>
@@ -1937,7 +1939,7 @@
           <a:p>
             <a:fld id="{19CAD10D-99D1-46B2-A85A-C16850FCF8CF}" type="datetimeFigureOut">
               <a:rPr lang="en-US" dirty="0"/>
-              <a:t>11/20/2025</a:t>
+              <a:t>11/21/2025</a:t>
             </a:fld>
             <a:endParaRPr lang="en-US"/>
           </a:p>
@@ -2082,7 +2084,7 @@
           <a:p>
             <a:fld id="{48C67E51-34D6-4E3D-8F41-CC63EA446EDD}" type="datetimeFigureOut">
               <a:rPr lang="en-US" dirty="0"/>
-              <a:t>11/20/2025</a:t>
+              <a:t>11/21/2025</a:t>
             </a:fld>
             <a:endParaRPr lang="en-US"/>
           </a:p>
@@ -2199,7 +2201,7 @@
           <a:p>
             <a:fld id="{8D49E550-CE3F-497F-B953-7DE0932F91C0}" type="datetimeFigureOut">
               <a:rPr lang="en-US" dirty="0"/>
-              <a:t>11/20/2025</a:t>
+              <a:t>11/21/2025</a:t>
             </a:fld>
             <a:endParaRPr lang="en-US"/>
           </a:p>
@@ -2514,7 +2516,7 @@
           <a:p>
             <a:fld id="{217A0BF4-BAA0-4539-95F2-9C4277F97478}" type="datetimeFigureOut">
               <a:rPr lang="en-US" dirty="0"/>
-              <a:t>11/20/2025</a:t>
+              <a:t>11/21/2025</a:t>
             </a:fld>
             <a:endParaRPr lang="en-US"/>
           </a:p>
@@ -2811,7 +2813,7 @@
           <a:p>
             <a:fld id="{52E9884E-D945-496C-84BE-49C61F78F9EC}" type="datetimeFigureOut">
               <a:rPr lang="en-US" dirty="0"/>
-              <a:t>11/20/2025</a:t>
+              <a:t>11/21/2025</a:t>
             </a:fld>
             <a:endParaRPr lang="en-US"/>
           </a:p>
@@ -3060,7 +3062,7 @@
           <a:p>
             <a:fld id="{CD438618-DEE5-47CF-A8B2-A9E090D503CD}" type="datetimeFigureOut">
               <a:rPr lang="en-US" dirty="0"/>
-              <a:t>11/20/2025</a:t>
+              <a:t>11/21/2025</a:t>
             </a:fld>
             <a:endParaRPr lang="en-US"/>
           </a:p>
@@ -3904,7 +3906,7 @@
               </a:spcAft>
               <a:buNone/>
             </a:pPr>
-            <a:endParaRPr lang="en-US" b="1" dirty="0">
+            <a:endParaRPr lang="en-US" b="1">
               <a:ea typeface="+mn-lt"/>
               <a:cs typeface="+mn-lt"/>
             </a:endParaRPr>
@@ -3924,9 +3926,9 @@
                 <a:ea typeface="+mn-lt"/>
                 <a:cs typeface="+mn-lt"/>
               </a:rPr>
-              <a:t>This confirms that age has no meaningful relationship with how much customers purchase.</a:t>
-            </a:r>
-            <a:endParaRPr lang="en-US"/>
+              <a:t>This confirms that age has no relation with how much customers purchase.</a:t>
+            </a:r>
+            <a:endParaRPr lang="en-US" dirty="0"/>
           </a:p>
         </p:txBody>
       </p:sp>
@@ -3970,7 +3972,7 @@
                   <a:spcPts val="600"/>
                 </a:spcAft>
               </a:pPr>
-              <a:t>11/20/2025</a:t>
+              <a:t>11/21/2025</a:t>
             </a:fld>
             <a:endParaRPr lang="en-US"/>
           </a:p>
@@ -4245,9 +4247,9 @@
                 <a:ea typeface="+mn-lt"/>
                 <a:cs typeface="+mn-lt"/>
               </a:rPr>
-              <a:t>The box plot shows that most customers spend between $39 and $81, with the median at around $60, indicating a balanced and typical spending pattern. The whiskers stretching from $20 to $100 show the full range of purchase amounts, and the absence of outliers confirms that all values fall within a normal, expected range. </a:t>
-            </a:r>
-            <a:endParaRPr lang="en-US" dirty="0"/>
+              <a:t>The box plot shows that most purchase amounts fall within a clear middle range, with the median at around $60, indicating a balanced and typical spending pattern. The whiskers stretching from $20 to $100 show the full range of purchase amounts, and the absence of outliers confirms that all values fall within a normal, expected range. </a:t>
+            </a:r>
+            <a:endParaRPr lang="en-US"/>
           </a:p>
           <a:p>
             <a:pPr marL="0" indent="0">
@@ -4259,7 +4261,7 @@
               </a:spcAft>
               <a:buNone/>
             </a:pPr>
-            <a:endParaRPr lang="en-US" b="1" dirty="0">
+            <a:endParaRPr lang="en-US" b="1">
               <a:ea typeface="+mn-lt"/>
               <a:cs typeface="+mn-lt"/>
             </a:endParaRPr>
@@ -4281,7 +4283,7 @@
               </a:rPr>
               <a:t>Overall, the plot reflects stable and consistent customer spending.</a:t>
             </a:r>
-            <a:endParaRPr lang="en-US"/>
+            <a:endParaRPr lang="en-US" dirty="0"/>
           </a:p>
         </p:txBody>
       </p:sp>
@@ -4325,7 +4327,7 @@
                   <a:spcPts val="600"/>
                 </a:spcAft>
               </a:pPr>
-              <a:t>11/20/2025</a:t>
+              <a:t>11/21/2025</a:t>
             </a:fld>
             <a:endParaRPr lang="en-US"/>
           </a:p>
@@ -4566,7 +4568,7 @@
               <a:buNone/>
             </a:pPr>
             <a:r>
-              <a:rPr lang="en-US" b="1" dirty="0">
+              <a:rPr lang="en-US" b="1">
                 <a:ea typeface="+mn-lt"/>
                 <a:cs typeface="+mn-lt"/>
               </a:rPr>
@@ -4583,7 +4585,7 @@
               </a:spcAft>
               <a:buNone/>
             </a:pPr>
-            <a:endParaRPr lang="en-US" b="1" dirty="0">
+            <a:endParaRPr lang="en-US" b="1">
               <a:ea typeface="+mn-lt"/>
               <a:cs typeface="+mn-lt"/>
             </a:endParaRPr>
@@ -4599,7 +4601,7 @@
               <a:buNone/>
             </a:pPr>
             <a:r>
-              <a:rPr lang="en-US" b="1" dirty="0">
+              <a:rPr lang="en-US" b="1">
                 <a:ea typeface="+mn-lt"/>
                 <a:cs typeface="+mn-lt"/>
               </a:rPr>
@@ -4649,7 +4651,7 @@
                   <a:spcPts val="600"/>
                 </a:spcAft>
               </a:pPr>
-              <a:t>11/20/2025</a:t>
+              <a:t>11/21/2025</a:t>
             </a:fld>
             <a:endParaRPr lang="en-US"/>
           </a:p>
@@ -4993,7 +4995,7 @@
             </a:r>
             <a:r>
               <a:rPr lang="en-US" sz="1400" b="1" dirty="0"/>
-              <a:t> Customer ID is not related to anything (as expected).</a:t>
+              <a:t> Customer ID is not related to anything.</a:t>
             </a:r>
             <a:br>
               <a:rPr lang="en-US" sz="1400" b="1" dirty="0"/>
@@ -5004,7 +5006,7 @@
             </a:r>
             <a:r>
               <a:rPr lang="en-US" sz="1400" b="1" dirty="0"/>
-              <a:t> no real meaning for prediction.</a:t>
+              <a:t> no relation for prediction.</a:t>
             </a:r>
             <a:endParaRPr lang="en-US" sz="1400" dirty="0"/>
           </a:p>
@@ -5050,7 +5052,7 @@
                   <a:spcPts val="600"/>
                 </a:spcAft>
               </a:pPr>
-              <a:t>11/20/2025</a:t>
+              <a:t>11/21/2025</a:t>
             </a:fld>
             <a:endParaRPr lang="en-US"/>
           </a:p>
@@ -5240,13 +5242,13 @@
           <a:lstStyle/>
           <a:p>
             <a:r>
-              <a:rPr lang="en-US" b="1">
+              <a:rPr lang="en-US" b="1" dirty="0">
                 <a:ea typeface="+mj-lt"/>
                 <a:cs typeface="+mj-lt"/>
               </a:rPr>
-              <a:t>Hypothesis Test Conclusion:</a:t>
-            </a:r>
-            <a:endParaRPr lang="en-US" b="1"/>
+              <a:t>Hypothesis  Test Conclusion:</a:t>
+            </a:r>
+            <a:endParaRPr lang="en-US" b="1" dirty="0"/>
           </a:p>
         </p:txBody>
       </p:sp>
@@ -5472,7 +5474,7 @@
                   <a:spcPts val="600"/>
                 </a:spcAft>
               </a:pPr>
-              <a:t>11/20/2025</a:t>
+              <a:t>11/21/2025</a:t>
             </a:fld>
             <a:endParaRPr lang="en-US"/>
           </a:p>
@@ -5615,17 +5617,17 @@
           <a:lstStyle/>
           <a:p>
             <a:r>
-              <a:rPr lang="en-US" sz="3600" b="1"/>
+              <a:rPr lang="en-US" sz="3600" b="1" dirty="0"/>
               <a:t>Task 2 (8) </a:t>
             </a:r>
             <a:r>
-              <a:rPr lang="en-US" sz="3600" b="1">
+              <a:rPr lang="en-US" sz="3600" b="1" dirty="0">
                 <a:ea typeface="+mj-lt"/>
                 <a:cs typeface="+mj-lt"/>
               </a:rPr>
-              <a:t>One-Sample T-Test Using the Population Mean from the Full Dataset</a:t>
-            </a:r>
-            <a:endParaRPr lang="en-US" sz="3600" b="1"/>
+              <a:t>One-Sample  T-Test Using  the Population Mean from  the Full Dataset</a:t>
+            </a:r>
+            <a:endParaRPr lang="en-US" sz="3600" b="1" dirty="0"/>
           </a:p>
         </p:txBody>
       </p:sp>
@@ -5645,7 +5647,12 @@
             <p:ph idx="1"/>
           </p:nvPr>
         </p:nvSpPr>
-        <p:spPr/>
+        <p:spPr>
+          <a:xfrm>
+            <a:off x="700635" y="2293126"/>
+            <a:ext cx="11158297" cy="3636088"/>
+          </a:xfrm>
+        </p:spPr>
         <p:txBody>
           <a:bodyPr vert="horz" lIns="91440" tIns="45720" rIns="91440" bIns="45720" rtlCol="0" anchor="t">
             <a:normAutofit/>
@@ -5656,41 +5663,53 @@
               <a:buNone/>
             </a:pPr>
             <a:r>
-              <a:rPr lang="en-US">
-                <a:ea typeface="+mn-lt"/>
-                <a:cs typeface="+mn-lt"/>
-              </a:rPr>
-              <a:t>The sample mean (56.96) is very close to the population mean (58.68). With a p-value of 0.5686 (&gt; 0.05), there is </a:t>
-            </a:r>
-            <a:r>
-              <a:rPr lang="en-US" b="1">
+              <a:rPr lang="en-US" dirty="0">
+                <a:ea typeface="+mn-lt"/>
+                <a:cs typeface="+mn-lt"/>
+              </a:rPr>
+              <a:t>The sample mean (61.23) is very close to the population mean (59.76). With a p-value of 0.3033</a:t>
+            </a:r>
+            <a:endParaRPr lang="en-US" dirty="0"/>
+          </a:p>
+          <a:p>
+            <a:pPr marL="0" indent="0">
+              <a:buNone/>
+            </a:pPr>
+            <a:r>
+              <a:rPr lang="en-US" dirty="0">
+                <a:ea typeface="+mn-lt"/>
+                <a:cs typeface="+mn-lt"/>
+              </a:rPr>
+              <a:t>(&gt; 0.05), there is </a:t>
+            </a:r>
+            <a:r>
+              <a:rPr lang="en-US" b="1" dirty="0">
                 <a:ea typeface="+mn-lt"/>
                 <a:cs typeface="+mn-lt"/>
               </a:rPr>
               <a:t>no significant difference</a:t>
             </a:r>
             <a:r>
-              <a:rPr lang="en-US">
+              <a:rPr lang="en-US" dirty="0">
                 <a:ea typeface="+mn-lt"/>
                 <a:cs typeface="+mn-lt"/>
               </a:rPr>
               <a:t>, meaning the sample </a:t>
             </a:r>
             <a:r>
-              <a:rPr lang="en-US" b="1">
+              <a:rPr lang="en-US" b="1" dirty="0">
                 <a:ea typeface="+mn-lt"/>
                 <a:cs typeface="+mn-lt"/>
               </a:rPr>
               <a:t>represents the population well</a:t>
             </a:r>
             <a:r>
-              <a:rPr lang="en-US">
+              <a:rPr lang="en-US" dirty="0">
                 <a:ea typeface="+mn-lt"/>
                 <a:cs typeface="+mn-lt"/>
               </a:rPr>
               <a:t>.</a:t>
             </a:r>
-            <a:endParaRPr lang="en-US"/>
           </a:p>
         </p:txBody>
       </p:sp>
@@ -5816,7 +5835,7 @@
           </a:xfrm>
         </p:spPr>
         <p:txBody>
-          <a:bodyPr vert="horz" lIns="91440" tIns="45720" rIns="91440" bIns="45720" rtlCol="0">
+          <a:bodyPr vert="horz" lIns="91440" tIns="45720" rIns="91440" bIns="45720" rtlCol="0" anchor="t">
             <a:normAutofit/>
           </a:bodyPr>
           <a:lstStyle/>
@@ -5825,39 +5844,13 @@
               <a:buNone/>
             </a:pPr>
             <a:r>
-              <a:rPr lang="en-US"/>
-              <a:t>The simple regression model using the </a:t>
-            </a:r>
-            <a:r>
-              <a:rPr lang="en-US" b="1"/>
-              <a:t>Shopping Behavior dataset</a:t>
-            </a:r>
-            <a:r>
-              <a:rPr lang="en-US"/>
-              <a:t> shows </a:t>
-            </a:r>
-            <a:r>
-              <a:rPr lang="en-US" b="1"/>
-              <a:t>almost no relationship</a:t>
-            </a:r>
-            <a:r>
-              <a:rPr lang="en-US"/>
-              <a:t> between the number of a customer’s previous purchases and the amount they currently spend. The trendline is nearly flat, and the data points are widely scattered, meaning previous shopping history </a:t>
-            </a:r>
-            <a:r>
-              <a:rPr lang="en-US" b="1"/>
-              <a:t>does not predict</a:t>
-            </a:r>
-            <a:r>
-              <a:rPr lang="en-US"/>
-              <a:t> their purchase amount.</a:t>
-            </a:r>
-          </a:p>
-          <a:p>
-            <a:pPr marL="0" indent="0">
-              <a:buNone/>
-            </a:pPr>
-            <a:endParaRPr lang="en-US"/>
+              <a:rPr lang="en-US" dirty="0">
+                <a:ea typeface="+mn-lt"/>
+                <a:cs typeface="+mn-lt"/>
+              </a:rPr>
+              <a:t>The simple regression output indicates that there is no strong linear pattern between a customer’s previous purchases and their current spending amount. The trendline remains almost horizontal, and the points are spread in different directions. This shows that customers’ spending varies independently, suggesting that purchase amount is influenced by factors other than how many times they shopped before.</a:t>
+            </a:r>
+            <a:endParaRPr lang="en-US" dirty="0"/>
           </a:p>
         </p:txBody>
       </p:sp>
@@ -5929,7 +5922,7 @@
                   <a:spcPts val="600"/>
                 </a:spcAft>
               </a:pPr>
-              <a:t>11/20/2025</a:t>
+              <a:t>11/21/2025</a:t>
             </a:fld>
             <a:endParaRPr lang="en-US"/>
           </a:p>
@@ -6062,97 +6055,97 @@
           <a:lstStyle/>
           <a:p>
             <a:r>
-              <a:rPr lang="en-US" dirty="0">
+              <a:rPr lang="en-US">
                 <a:ea typeface="+mn-lt"/>
                 <a:cs typeface="+mn-lt"/>
               </a:rPr>
               <a:t>From the </a:t>
             </a:r>
             <a:r>
-              <a:rPr lang="en-US" b="1" dirty="0">
+              <a:rPr lang="en-US" b="1">
                 <a:ea typeface="+mn-lt"/>
                 <a:cs typeface="+mn-lt"/>
               </a:rPr>
               <a:t>Shopping Behavior dataset</a:t>
             </a:r>
             <a:r>
-              <a:rPr lang="en-US" dirty="0">
+              <a:rPr lang="en-US">
                 <a:ea typeface="+mn-lt"/>
                 <a:cs typeface="+mn-lt"/>
               </a:rPr>
               <a:t>, the regression model results show that the intercept is about </a:t>
             </a:r>
             <a:r>
-              <a:rPr lang="en-US" b="1" dirty="0">
+              <a:rPr lang="en-US" b="1">
                 <a:ea typeface="+mn-lt"/>
                 <a:cs typeface="+mn-lt"/>
               </a:rPr>
               <a:t>58</a:t>
             </a:r>
             <a:r>
-              <a:rPr lang="en-US" dirty="0">
+              <a:rPr lang="en-US">
                 <a:ea typeface="+mn-lt"/>
                 <a:cs typeface="+mn-lt"/>
               </a:rPr>
               <a:t>, and the coefficient is only </a:t>
             </a:r>
             <a:r>
-              <a:rPr lang="en-US" b="1" dirty="0">
+              <a:rPr lang="en-US" b="1">
                 <a:ea typeface="+mn-lt"/>
                 <a:cs typeface="+mn-lt"/>
               </a:rPr>
               <a:t>0.02</a:t>
             </a:r>
             <a:r>
-              <a:rPr lang="en-US" dirty="0">
+              <a:rPr lang="en-US">
                 <a:ea typeface="+mn-lt"/>
                 <a:cs typeface="+mn-lt"/>
               </a:rPr>
               <a:t>, meaning that Previous Purchases have almost </a:t>
             </a:r>
             <a:r>
-              <a:rPr lang="en-US" b="1" dirty="0">
+              <a:rPr lang="en-US" b="1">
                 <a:ea typeface="+mn-lt"/>
                 <a:cs typeface="+mn-lt"/>
               </a:rPr>
               <a:t>no effect</a:t>
             </a:r>
             <a:r>
-              <a:rPr lang="en-US" dirty="0">
+              <a:rPr lang="en-US">
                 <a:ea typeface="+mn-lt"/>
                 <a:cs typeface="+mn-lt"/>
               </a:rPr>
               <a:t> on Purchase Amount. The R² score is </a:t>
             </a:r>
             <a:r>
-              <a:rPr lang="en-US" b="1" dirty="0">
+              <a:rPr lang="en-US" b="1">
                 <a:ea typeface="+mn-lt"/>
                 <a:cs typeface="+mn-lt"/>
               </a:rPr>
               <a:t>0.0018</a:t>
             </a:r>
             <a:r>
-              <a:rPr lang="en-US" dirty="0">
+              <a:rPr lang="en-US">
                 <a:ea typeface="+mn-lt"/>
                 <a:cs typeface="+mn-lt"/>
               </a:rPr>
               <a:t>, which is extremely low and confirms that the model cannot predict spending behavior well. Overall, the outputs show that Previous Purchases do </a:t>
             </a:r>
             <a:r>
-              <a:rPr lang="en-US" b="1" dirty="0">
+              <a:rPr lang="en-US" b="1">
                 <a:ea typeface="+mn-lt"/>
                 <a:cs typeface="+mn-lt"/>
               </a:rPr>
               <a:t>not</a:t>
             </a:r>
             <a:r>
-              <a:rPr lang="en-US" dirty="0">
+              <a:rPr lang="en-US">
                 <a:ea typeface="+mn-lt"/>
                 <a:cs typeface="+mn-lt"/>
               </a:rPr>
               <a:t> help explain or predict how much customers spend.</a:t>
             </a:r>
-            <a:endParaRPr lang="en-US" dirty="0"/>
+            <a:endParaRPr lang="en-US"/>
           </a:p>
           <a:p>
             <a:endParaRPr lang="en-US"/>
@@ -6314,17 +6307,17 @@
           <a:lstStyle/>
           <a:p>
             <a:r>
-              <a:rPr lang="en-US" sz="3200" b="1"/>
-              <a:t>Task 3 (10) </a:t>
-            </a:r>
-            <a:r>
-              <a:rPr lang="en-US" sz="3200" b="1">
+              <a:rPr lang="en-US" sz="3200" b="1" dirty="0"/>
+              <a:t>Task 3 (10)</a:t>
+            </a:r>
+            <a:r>
+              <a:rPr lang="en-US" sz="3200" b="1" dirty="0">
                 <a:ea typeface="+mj-lt"/>
                 <a:cs typeface="+mj-lt"/>
               </a:rPr>
-              <a:t>Forecasting a Dependent Variable Using Multiple Linear Regression</a:t>
-            </a:r>
-            <a:endParaRPr lang="en-US" sz="3200" b="1"/>
+              <a:t> Forecasting a Dependent Variable Using Multiple Linear Regression</a:t>
+            </a:r>
+            <a:endParaRPr lang="en-US" sz="3200" b="1" dirty="0"/>
           </a:p>
         </p:txBody>
       </p:sp>
@@ -6356,6 +6349,9 @@
           </a:bodyPr>
           <a:lstStyle/>
           <a:p>
+            <a:pPr marL="0" indent="0">
+              <a:buNone/>
+            </a:pPr>
             <a:r>
               <a:rPr lang="en-US">
                 <a:ea typeface="+mn-lt"/>
@@ -6366,6 +6362,9 @@
             <a:endParaRPr lang="en-US"/>
           </a:p>
           <a:p>
+            <a:pPr marL="0" indent="0">
+              <a:buNone/>
+            </a:pPr>
             <a:r>
               <a:rPr lang="en-US" b="1">
                 <a:ea typeface="+mn-lt"/>
@@ -6383,6 +6382,9 @@
             <a:endParaRPr lang="en-US"/>
           </a:p>
           <a:p>
+            <a:pPr marL="0" indent="0">
+              <a:buNone/>
+            </a:pPr>
             <a:r>
               <a:rPr lang="en-US" b="1">
                 <a:ea typeface="+mn-lt"/>
@@ -6414,6 +6416,9 @@
             <a:endParaRPr lang="en-US"/>
           </a:p>
           <a:p>
+            <a:pPr marL="0" indent="0">
+              <a:buNone/>
+            </a:pPr>
             <a:r>
               <a:rPr lang="en-US">
                 <a:ea typeface="+mn-lt"/>
@@ -6438,6 +6443,9 @@
             <a:endParaRPr lang="en-US"/>
           </a:p>
           <a:p>
+            <a:pPr marL="0" indent="0">
+              <a:buNone/>
+            </a:pPr>
             <a:r>
               <a:rPr lang="en-US">
                 <a:ea typeface="+mn-lt"/>
@@ -6517,7 +6525,7 @@
           <p:cNvPr id="2" name="Title 1">
             <a:extLst>
               <a:ext uri="{FF2B5EF4-FFF2-40B4-BE49-F238E27FC236}">
-                <a16:creationId xmlns:a16="http://schemas.microsoft.com/office/drawing/2014/main" id="{621EB213-9E27-35D0-DEF3-380F61BE457B}"/>
+                <a16:creationId xmlns:a16="http://schemas.microsoft.com/office/drawing/2014/main" id="{CB7441E2-4C8D-8FE2-8877-6C285787EE5F}"/>
               </a:ext>
             </a:extLst>
           </p:cNvPr>
@@ -6528,7 +6536,12 @@
             <p:ph type="title"/>
           </p:nvPr>
         </p:nvSpPr>
-        <p:spPr/>
+        <p:spPr>
+          <a:xfrm>
+            <a:off x="700635" y="904778"/>
+            <a:ext cx="10691265" cy="1371030"/>
+          </a:xfrm>
+        </p:spPr>
         <p:txBody>
           <a:bodyPr>
             <a:normAutofit/>
@@ -6536,119 +6549,27 @@
           <a:lstStyle/>
           <a:p>
             <a:r>
-              <a:rPr lang="en-US" sz="3200" b="1"/>
-              <a:t>Task 3 (11) </a:t>
-            </a:r>
-            <a:r>
-              <a:rPr lang="en-US" sz="3200" b="1">
-                <a:ea typeface="+mj-lt"/>
-                <a:cs typeface="+mj-lt"/>
-              </a:rPr>
-              <a:t>Predicting Dependent Variable Using Multiple Classification Models</a:t>
-            </a:r>
-            <a:endParaRPr lang="en-US" sz="3200" b="1"/>
-          </a:p>
-        </p:txBody>
-      </p:sp>
-      <p:sp>
-        <p:nvSpPr>
-          <p:cNvPr id="3" name="Content Placeholder 2">
-            <a:extLst>
-              <a:ext uri="{FF2B5EF4-FFF2-40B4-BE49-F238E27FC236}">
-                <a16:creationId xmlns:a16="http://schemas.microsoft.com/office/drawing/2014/main" id="{D8D060C5-CEDA-464D-C4D0-3AAAB5CC6101}"/>
-              </a:ext>
-            </a:extLst>
-          </p:cNvPr>
-          <p:cNvSpPr>
-            <a:spLocks noGrp="1"/>
-          </p:cNvSpPr>
-          <p:nvPr>
-            <p:ph idx="1"/>
-          </p:nvPr>
-        </p:nvSpPr>
-        <p:spPr>
-          <a:xfrm>
-            <a:off x="700635" y="2169179"/>
-            <a:ext cx="10691265" cy="3038313"/>
-          </a:xfrm>
-        </p:spPr>
-        <p:txBody>
-          <a:bodyPr vert="horz" lIns="91440" tIns="45720" rIns="91440" bIns="45720" rtlCol="0" anchor="t">
-            <a:normAutofit/>
-          </a:bodyPr>
-          <a:lstStyle/>
-          <a:p>
-            <a:pPr marL="0" indent="0">
-              <a:buNone/>
-            </a:pPr>
-            <a:r>
-              <a:rPr lang="en-US">
-                <a:ea typeface="+mn-lt"/>
-                <a:cs typeface="+mn-lt"/>
-              </a:rPr>
-              <a:t>For both customer profiles, all four models, </a:t>
-            </a:r>
-            <a:r>
-              <a:rPr lang="en-US" b="1">
-                <a:ea typeface="+mn-lt"/>
-                <a:cs typeface="+mn-lt"/>
-              </a:rPr>
-              <a:t>Logistic Regression, KNN, Naive Bayes, and Decision Tree, </a:t>
-            </a:r>
-            <a:r>
-              <a:rPr lang="en-US">
-                <a:ea typeface="+mn-lt"/>
-                <a:cs typeface="+mn-lt"/>
-              </a:rPr>
-              <a:t>predicted </a:t>
-            </a:r>
-            <a:r>
-              <a:rPr lang="en-US" b="1">
-                <a:ea typeface="+mn-lt"/>
-                <a:cs typeface="+mn-lt"/>
-              </a:rPr>
-              <a:t>0</a:t>
-            </a:r>
-            <a:r>
-              <a:rPr lang="en-US">
-                <a:ea typeface="+mn-lt"/>
-                <a:cs typeface="+mn-lt"/>
-              </a:rPr>
-              <a:t>. This indicates that, based on their age, purchase amount, review rating, and previous purchases, the models classify both customers as </a:t>
-            </a:r>
-            <a:r>
-              <a:rPr lang="en-US" b="1">
-                <a:ea typeface="+mn-lt"/>
-                <a:cs typeface="+mn-lt"/>
-              </a:rPr>
-              <a:t>not subscribed</a:t>
-            </a:r>
-            <a:r>
-              <a:rPr lang="en-US">
-                <a:ea typeface="+mn-lt"/>
-                <a:cs typeface="+mn-lt"/>
-              </a:rPr>
-              <a:t>. The consistent prediction across all models suggests that the input features strongly indicate this outcome.</a:t>
-            </a:r>
-          </a:p>
-          <a:p>
-            <a:endParaRPr lang="en-US"/>
+              <a:rPr lang="en-US" sz="3200" b="1" dirty="0"/>
+              <a:t>Evaluate Models using Confusion Matrix and Accuracy:</a:t>
+            </a:r>
           </a:p>
         </p:txBody>
       </p:sp>
       <p:pic>
         <p:nvPicPr>
-          <p:cNvPr id="5" name="Picture 4" descr="A black screen with white text&#10;&#10;AI-generated content may be incorrect.">
-            <a:extLst>
-              <a:ext uri="{FF2B5EF4-FFF2-40B4-BE49-F238E27FC236}">
-                <a16:creationId xmlns:a16="http://schemas.microsoft.com/office/drawing/2014/main" id="{2F4A782C-1102-1348-DE10-8A75AF7B720B}"/>
+          <p:cNvPr id="7" name="Content Placeholder 6" descr="A screenshot of a computer&#10;&#10;AI-generated content may be incorrect.">
+            <a:extLst>
+              <a:ext uri="{FF2B5EF4-FFF2-40B4-BE49-F238E27FC236}">
+                <a16:creationId xmlns:a16="http://schemas.microsoft.com/office/drawing/2014/main" id="{60ACEA34-DAB7-1006-B8A4-528404BD4029}"/>
               </a:ext>
             </a:extLst>
           </p:cNvPr>
           <p:cNvPicPr>
-            <a:picLocks noChangeAspect="1"/>
+            <a:picLocks noGrp="1" noChangeAspect="1"/>
           </p:cNvPicPr>
-          <p:nvPr/>
+          <p:nvPr>
+            <p:ph idx="1"/>
+          </p:nvPr>
         </p:nvPicPr>
         <p:blipFill>
           <a:blip r:embed="rId2"/>
@@ -6658,18 +6579,165 @@
         </p:blipFill>
         <p:spPr>
           <a:xfrm>
-            <a:off x="2293554" y="3815090"/>
-            <a:ext cx="7524035" cy="2011479"/>
+            <a:off x="6911462" y="1712478"/>
+            <a:ext cx="4483219" cy="4239936"/>
           </a:xfrm>
           <a:prstGeom prst="rect">
             <a:avLst/>
           </a:prstGeom>
         </p:spPr>
       </p:pic>
+      <p:sp>
+        <p:nvSpPr>
+          <p:cNvPr id="4" name="Date Placeholder 3">
+            <a:extLst>
+              <a:ext uri="{FF2B5EF4-FFF2-40B4-BE49-F238E27FC236}">
+                <a16:creationId xmlns:a16="http://schemas.microsoft.com/office/drawing/2014/main" id="{27106554-E658-043D-362D-04FBDA6E2D46}"/>
+              </a:ext>
+            </a:extLst>
+          </p:cNvPr>
+          <p:cNvSpPr>
+            <a:spLocks noGrp="1"/>
+          </p:cNvSpPr>
+          <p:nvPr>
+            <p:ph type="dt" sz="half" idx="10"/>
+          </p:nvPr>
+        </p:nvSpPr>
+        <p:spPr/>
+        <p:txBody>
+          <a:bodyPr/>
+          <a:lstStyle/>
+          <a:p>
+            <a:fld id="{AA069DB9-BD5F-4749-88B9-E353C9FBB00A}" type="datetime1">
+              <a:t>11/21/2025</a:t>
+            </a:fld>
+            <a:endParaRPr lang="en-US"/>
+          </a:p>
+        </p:txBody>
+      </p:sp>
+      <p:sp>
+        <p:nvSpPr>
+          <p:cNvPr id="5" name="Footer Placeholder 4">
+            <a:extLst>
+              <a:ext uri="{FF2B5EF4-FFF2-40B4-BE49-F238E27FC236}">
+                <a16:creationId xmlns:a16="http://schemas.microsoft.com/office/drawing/2014/main" id="{5F87E7E1-44F2-99F4-18CC-0C9D593626BA}"/>
+              </a:ext>
+            </a:extLst>
+          </p:cNvPr>
+          <p:cNvSpPr>
+            <a:spLocks noGrp="1"/>
+          </p:cNvSpPr>
+          <p:nvPr>
+            <p:ph type="ftr" sz="quarter" idx="11"/>
+          </p:nvPr>
+        </p:nvSpPr>
+        <p:spPr/>
+        <p:txBody>
+          <a:bodyPr/>
+          <a:lstStyle/>
+          <a:p>
+            <a:r>
+              <a:rPr lang="en-US"/>
+              <a:t>
+              </a:t>
+            </a:r>
+          </a:p>
+        </p:txBody>
+      </p:sp>
+      <p:sp>
+        <p:nvSpPr>
+          <p:cNvPr id="6" name="Slide Number Placeholder 5">
+            <a:extLst>
+              <a:ext uri="{FF2B5EF4-FFF2-40B4-BE49-F238E27FC236}">
+                <a16:creationId xmlns:a16="http://schemas.microsoft.com/office/drawing/2014/main" id="{FA3B5345-E7E1-794D-8F60-4028AFD84063}"/>
+              </a:ext>
+            </a:extLst>
+          </p:cNvPr>
+          <p:cNvSpPr>
+            <a:spLocks noGrp="1"/>
+          </p:cNvSpPr>
+          <p:nvPr>
+            <p:ph type="sldNum" sz="quarter" idx="12"/>
+          </p:nvPr>
+        </p:nvSpPr>
+        <p:spPr/>
+        <p:txBody>
+          <a:bodyPr/>
+          <a:lstStyle/>
+          <a:p>
+            <a:fld id="{E30AF5A0-43BB-4336-8627-9123B9144D80}" type="slidenum">
+              <a:rPr lang="en-US" dirty="0"/>
+              <a:t>19</a:t>
+            </a:fld>
+            <a:endParaRPr lang="en-US"/>
+          </a:p>
+        </p:txBody>
+      </p:sp>
+      <p:sp>
+        <p:nvSpPr>
+          <p:cNvPr id="8" name="TextBox 7">
+            <a:extLst>
+              <a:ext uri="{FF2B5EF4-FFF2-40B4-BE49-F238E27FC236}">
+                <a16:creationId xmlns:a16="http://schemas.microsoft.com/office/drawing/2014/main" id="{A66CF817-24B7-C5D4-C49A-013C09394CB1}"/>
+              </a:ext>
+            </a:extLst>
+          </p:cNvPr>
+          <p:cNvSpPr txBox="1"/>
+          <p:nvPr/>
+        </p:nvSpPr>
+        <p:spPr>
+          <a:xfrm>
+            <a:off x="476250" y="2156114"/>
+            <a:ext cx="6096000" cy="3354765"/>
+          </a:xfrm>
+          <a:prstGeom prst="rect">
+            <a:avLst/>
+          </a:prstGeom>
+          <a:noFill/>
+        </p:spPr>
+        <p:txBody>
+          <a:bodyPr rot="0" spcFirstLastPara="0" vertOverflow="overflow" horzOverflow="overflow" vert="horz" wrap="square" lIns="91440" tIns="45720" rIns="91440" bIns="45720" numCol="1" spcCol="0" rtlCol="0" fromWordArt="0" anchor="t" anchorCtr="0" forceAA="0" compatLnSpc="1">
+            <a:prstTxWarp prst="textNoShape">
+              <a:avLst/>
+            </a:prstTxWarp>
+            <a:spAutoFit/>
+          </a:bodyPr>
+          <a:lstStyle/>
+          <a:p>
+            <a:r>
+              <a:rPr lang="en-US" sz="2400" dirty="0">
+                <a:ea typeface="+mn-lt"/>
+                <a:cs typeface="+mn-lt"/>
+              </a:rPr>
+              <a:t>These outputs compare four models to see which one predicts better. Each confusion matrix shows how many predictions were correct or wrong. The accuracy score tells us how well each model performed. All models had similar results, but </a:t>
+            </a:r>
+            <a:r>
+              <a:rPr lang="en-US" sz="2400" b="1" dirty="0">
+                <a:ea typeface="+mn-lt"/>
+                <a:cs typeface="+mn-lt"/>
+              </a:rPr>
+              <a:t>KNN had the highest accuracy</a:t>
+            </a:r>
+            <a:r>
+              <a:rPr lang="en-US" sz="2400" dirty="0">
+                <a:ea typeface="+mn-lt"/>
+                <a:cs typeface="+mn-lt"/>
+              </a:rPr>
+              <a:t>, meaning it predicted the customer classes the best in this dataset.</a:t>
+            </a:r>
+            <a:endParaRPr lang="en-US" sz="2400" dirty="0"/>
+          </a:p>
+          <a:p>
+            <a:endParaRPr lang="en-US" sz="2000">
+              <a:cs typeface="Segoe UI"/>
+            </a:endParaRPr>
+          </a:p>
+        </p:txBody>
+      </p:sp>
     </p:spTree>
     <p:extLst>
       <p:ext uri="{BB962C8B-B14F-4D97-AF65-F5344CB8AC3E}">
-        <p14:creationId xmlns:p14="http://schemas.microsoft.com/office/powerpoint/2010/main" val="2720027562"/>
+        <p14:creationId xmlns:p14="http://schemas.microsoft.com/office/powerpoint/2010/main" val="2969267051"/>
       </p:ext>
     </p:extLst>
   </p:cSld>
@@ -6718,13 +6786,13 @@
           <a:lstStyle/>
           <a:p>
             <a:r>
-              <a:rPr lang="en-US" b="1">
+              <a:rPr lang="en-US" b="1" dirty="0">
                 <a:ea typeface="+mj-lt"/>
                 <a:cs typeface="+mj-lt"/>
               </a:rPr>
-              <a:t>Purpose of Analyzing the Shopping Behavior Dataset:</a:t>
-            </a:r>
-            <a:endParaRPr lang="en-US"/>
+              <a:t>Purpose of Analyzing  the Shopping Behavior Dataset:</a:t>
+            </a:r>
+            <a:endParaRPr lang="en-US" dirty="0"/>
           </a:p>
           <a:p>
             <a:pPr marL="285750" indent="-285750">
@@ -6864,7 +6932,7 @@
           <p:cNvPr id="2" name="Title 1">
             <a:extLst>
               <a:ext uri="{FF2B5EF4-FFF2-40B4-BE49-F238E27FC236}">
-                <a16:creationId xmlns:a16="http://schemas.microsoft.com/office/drawing/2014/main" id="{CB7441E2-4C8D-8FE2-8877-6C285787EE5F}"/>
+                <a16:creationId xmlns:a16="http://schemas.microsoft.com/office/drawing/2014/main" id="{8AF8B1C5-1F9A-943D-AA32-9DFC45E41238}"/>
               </a:ext>
             </a:extLst>
           </p:cNvPr>
@@ -6877,8 +6945,8 @@
         </p:nvSpPr>
         <p:spPr>
           <a:xfrm>
-            <a:off x="700635" y="904778"/>
-            <a:ext cx="10691265" cy="1371030"/>
+            <a:off x="700635" y="809528"/>
+            <a:ext cx="11919342" cy="2473340"/>
           </a:xfrm>
         </p:spPr>
         <p:txBody>
@@ -6888,29 +6956,157 @@
           <a:lstStyle/>
           <a:p>
             <a:r>
-              <a:rPr lang="en-US" sz="2800" b="1">
-                <a:latin typeface="Aptos"/>
-              </a:rPr>
-              <a:t>Evaluate Models using Confusion Matrix and Accuracy:</a:t>
-            </a:r>
+              <a:rPr lang="en-US" sz="3600" b="1" dirty="0"/>
+              <a:t>Task 3 (13) </a:t>
+            </a:r>
+            <a:r>
+              <a:rPr lang="en-US" sz="3600" b="1" dirty="0">
+                <a:ea typeface="+mj-lt"/>
+                <a:cs typeface="+mj-lt"/>
+              </a:rPr>
+              <a:t>Prediction with Random Forest Model</a:t>
+            </a:r>
+          </a:p>
+        </p:txBody>
+      </p:sp>
+      <p:sp>
+        <p:nvSpPr>
+          <p:cNvPr id="3" name="Content Placeholder 2">
+            <a:extLst>
+              <a:ext uri="{FF2B5EF4-FFF2-40B4-BE49-F238E27FC236}">
+                <a16:creationId xmlns:a16="http://schemas.microsoft.com/office/drawing/2014/main" id="{D751C067-02DB-68EF-52EE-1BBBB8850A10}"/>
+              </a:ext>
+            </a:extLst>
+          </p:cNvPr>
+          <p:cNvSpPr>
+            <a:spLocks noGrp="1"/>
+          </p:cNvSpPr>
+          <p:nvPr>
+            <p:ph idx="1"/>
+          </p:nvPr>
+        </p:nvSpPr>
+        <p:spPr>
+          <a:xfrm>
+            <a:off x="700635" y="1612168"/>
+            <a:ext cx="10691265" cy="3636088"/>
+          </a:xfrm>
+        </p:spPr>
+        <p:txBody>
+          <a:bodyPr vert="horz" lIns="91440" tIns="45720" rIns="91440" bIns="45720" rtlCol="0" anchor="t">
+            <a:normAutofit/>
+          </a:bodyPr>
+          <a:lstStyle/>
+          <a:p>
+            <a:pPr marL="0" indent="0">
+              <a:buNone/>
+            </a:pPr>
+            <a:r>
+              <a:rPr lang="en-US" dirty="0">
+                <a:ea typeface="+mn-lt"/>
+                <a:cs typeface="+mn-lt"/>
+              </a:rPr>
+              <a:t>The Random Forest model predicts whether a customer is a </a:t>
+            </a:r>
+            <a:r>
+              <a:rPr lang="en-US" b="1" dirty="0">
+                <a:ea typeface="+mn-lt"/>
+                <a:cs typeface="+mn-lt"/>
+              </a:rPr>
+              <a:t>high</a:t>
+            </a:r>
+            <a:r>
+              <a:rPr lang="en-US" dirty="0">
+                <a:ea typeface="+mn-lt"/>
+                <a:cs typeface="+mn-lt"/>
+              </a:rPr>
+              <a:t> or </a:t>
+            </a:r>
+            <a:r>
+              <a:rPr lang="en-US" b="1" dirty="0">
+                <a:ea typeface="+mn-lt"/>
+                <a:cs typeface="+mn-lt"/>
+              </a:rPr>
+              <a:t>low</a:t>
+            </a:r>
+            <a:r>
+              <a:rPr lang="en-US" dirty="0">
+                <a:ea typeface="+mn-lt"/>
+                <a:cs typeface="+mn-lt"/>
+              </a:rPr>
+              <a:t> spender. The labels are binary. Purchase amounts above the </a:t>
+            </a:r>
+            <a:r>
+              <a:rPr lang="en-US" b="1" dirty="0">
+                <a:ea typeface="+mn-lt"/>
+                <a:cs typeface="+mn-lt"/>
+              </a:rPr>
+              <a:t>median</a:t>
+            </a:r>
+            <a:r>
+              <a:rPr lang="en-US" dirty="0">
+                <a:ea typeface="+mn-lt"/>
+                <a:cs typeface="+mn-lt"/>
+              </a:rPr>
+              <a:t> are labeled </a:t>
+            </a:r>
+            <a:r>
+              <a:rPr lang="en-US" b="1" dirty="0">
+                <a:ea typeface="+mn-lt"/>
+                <a:cs typeface="+mn-lt"/>
+              </a:rPr>
+              <a:t>1 (high) </a:t>
+            </a:r>
+            <a:r>
+              <a:rPr lang="en-US" dirty="0">
+                <a:ea typeface="+mn-lt"/>
+                <a:cs typeface="+mn-lt"/>
+              </a:rPr>
+              <a:t>and amounts below are labeled </a:t>
+            </a:r>
+            <a:r>
+              <a:rPr lang="en-US" b="1" dirty="0">
+                <a:ea typeface="+mn-lt"/>
+                <a:cs typeface="+mn-lt"/>
+              </a:rPr>
+              <a:t>0 (low)</a:t>
+            </a:r>
+            <a:r>
+              <a:rPr lang="en-US">
+                <a:ea typeface="+mn-lt"/>
+                <a:cs typeface="+mn-lt"/>
+              </a:rPr>
+              <a:t>. The sample output shows that the model matches many of the spending categories.</a:t>
+            </a:r>
+            <a:endParaRPr lang="en-US"/>
+          </a:p>
+          <a:p>
+            <a:pPr marL="0" indent="0">
+              <a:buNone/>
+            </a:pPr>
+            <a:r>
+              <a:rPr lang="en-US" dirty="0">
+                <a:ea typeface="+mn-lt"/>
+                <a:cs typeface="+mn-lt"/>
+              </a:rPr>
+              <a:t> Overall, the model performs well and captures the main spending patterns in our dataset.</a:t>
+            </a:r>
+            <a:endParaRPr lang="en-US"/>
           </a:p>
         </p:txBody>
       </p:sp>
       <p:pic>
         <p:nvPicPr>
-          <p:cNvPr id="7" name="Content Placeholder 6" descr="A screenshot of a computer&#10;&#10;AI-generated content may be incorrect.">
-            <a:extLst>
-              <a:ext uri="{FF2B5EF4-FFF2-40B4-BE49-F238E27FC236}">
-                <a16:creationId xmlns:a16="http://schemas.microsoft.com/office/drawing/2014/main" id="{60ACEA34-DAB7-1006-B8A4-528404BD4029}"/>
+          <p:cNvPr id="4" name="Picture 3" descr="A screen shot of a black screen&#10;&#10;AI-generated content may be incorrect.">
+            <a:extLst>
+              <a:ext uri="{FF2B5EF4-FFF2-40B4-BE49-F238E27FC236}">
+                <a16:creationId xmlns:a16="http://schemas.microsoft.com/office/drawing/2014/main" id="{F85F32AB-65F1-1178-1C09-3B90158E5C07}"/>
               </a:ext>
             </a:extLst>
           </p:cNvPr>
           <p:cNvPicPr>
-            <a:picLocks noGrp="1" noChangeAspect="1"/>
+            <a:picLocks noChangeAspect="1"/>
           </p:cNvPicPr>
-          <p:nvPr>
-            <p:ph idx="1"/>
-          </p:nvPr>
+          <p:nvPr/>
         </p:nvPicPr>
         <p:blipFill>
           <a:blip r:embed="rId2"/>
@@ -6920,165 +7116,18 @@
         </p:blipFill>
         <p:spPr>
           <a:xfrm>
-            <a:off x="6911462" y="1712478"/>
-            <a:ext cx="4483219" cy="4239936"/>
+            <a:off x="4794572" y="3530055"/>
+            <a:ext cx="2598304" cy="2396066"/>
           </a:xfrm>
           <a:prstGeom prst="rect">
             <a:avLst/>
           </a:prstGeom>
         </p:spPr>
       </p:pic>
-      <p:sp>
-        <p:nvSpPr>
-          <p:cNvPr id="4" name="Date Placeholder 3">
-            <a:extLst>
-              <a:ext uri="{FF2B5EF4-FFF2-40B4-BE49-F238E27FC236}">
-                <a16:creationId xmlns:a16="http://schemas.microsoft.com/office/drawing/2014/main" id="{27106554-E658-043D-362D-04FBDA6E2D46}"/>
-              </a:ext>
-            </a:extLst>
-          </p:cNvPr>
-          <p:cNvSpPr>
-            <a:spLocks noGrp="1"/>
-          </p:cNvSpPr>
-          <p:nvPr>
-            <p:ph type="dt" sz="half" idx="10"/>
-          </p:nvPr>
-        </p:nvSpPr>
-        <p:spPr/>
-        <p:txBody>
-          <a:bodyPr/>
-          <a:lstStyle/>
-          <a:p>
-            <a:fld id="{AA069DB9-BD5F-4749-88B9-E353C9FBB00A}" type="datetime1">
-              <a:t>11/20/2025</a:t>
-            </a:fld>
-            <a:endParaRPr lang="en-US"/>
-          </a:p>
-        </p:txBody>
-      </p:sp>
-      <p:sp>
-        <p:nvSpPr>
-          <p:cNvPr id="5" name="Footer Placeholder 4">
-            <a:extLst>
-              <a:ext uri="{FF2B5EF4-FFF2-40B4-BE49-F238E27FC236}">
-                <a16:creationId xmlns:a16="http://schemas.microsoft.com/office/drawing/2014/main" id="{5F87E7E1-44F2-99F4-18CC-0C9D593626BA}"/>
-              </a:ext>
-            </a:extLst>
-          </p:cNvPr>
-          <p:cNvSpPr>
-            <a:spLocks noGrp="1"/>
-          </p:cNvSpPr>
-          <p:nvPr>
-            <p:ph type="ftr" sz="quarter" idx="11"/>
-          </p:nvPr>
-        </p:nvSpPr>
-        <p:spPr/>
-        <p:txBody>
-          <a:bodyPr/>
-          <a:lstStyle/>
-          <a:p>
-            <a:r>
-              <a:rPr lang="en-US"/>
-              <a:t>
-              </a:t>
-            </a:r>
-          </a:p>
-        </p:txBody>
-      </p:sp>
-      <p:sp>
-        <p:nvSpPr>
-          <p:cNvPr id="6" name="Slide Number Placeholder 5">
-            <a:extLst>
-              <a:ext uri="{FF2B5EF4-FFF2-40B4-BE49-F238E27FC236}">
-                <a16:creationId xmlns:a16="http://schemas.microsoft.com/office/drawing/2014/main" id="{FA3B5345-E7E1-794D-8F60-4028AFD84063}"/>
-              </a:ext>
-            </a:extLst>
-          </p:cNvPr>
-          <p:cNvSpPr>
-            <a:spLocks noGrp="1"/>
-          </p:cNvSpPr>
-          <p:nvPr>
-            <p:ph type="sldNum" sz="quarter" idx="12"/>
-          </p:nvPr>
-        </p:nvSpPr>
-        <p:spPr/>
-        <p:txBody>
-          <a:bodyPr/>
-          <a:lstStyle/>
-          <a:p>
-            <a:fld id="{E30AF5A0-43BB-4336-8627-9123B9144D80}" type="slidenum">
-              <a:rPr lang="en-US" dirty="0"/>
-              <a:t>20</a:t>
-            </a:fld>
-            <a:endParaRPr lang="en-US"/>
-          </a:p>
-        </p:txBody>
-      </p:sp>
-      <p:sp>
-        <p:nvSpPr>
-          <p:cNvPr id="8" name="TextBox 7">
-            <a:extLst>
-              <a:ext uri="{FF2B5EF4-FFF2-40B4-BE49-F238E27FC236}">
-                <a16:creationId xmlns:a16="http://schemas.microsoft.com/office/drawing/2014/main" id="{A66CF817-24B7-C5D4-C49A-013C09394CB1}"/>
-              </a:ext>
-            </a:extLst>
-          </p:cNvPr>
-          <p:cNvSpPr txBox="1"/>
-          <p:nvPr/>
-        </p:nvSpPr>
-        <p:spPr>
-          <a:xfrm>
-            <a:off x="476250" y="2156114"/>
-            <a:ext cx="6096000" cy="3354765"/>
-          </a:xfrm>
-          <a:prstGeom prst="rect">
-            <a:avLst/>
-          </a:prstGeom>
-          <a:noFill/>
-        </p:spPr>
-        <p:txBody>
-          <a:bodyPr rot="0" spcFirstLastPara="0" vertOverflow="overflow" horzOverflow="overflow" vert="horz" wrap="square" lIns="91440" tIns="45720" rIns="91440" bIns="45720" numCol="1" spcCol="0" rtlCol="0" fromWordArt="0" anchor="t" anchorCtr="0" forceAA="0" compatLnSpc="1">
-            <a:prstTxWarp prst="textNoShape">
-              <a:avLst/>
-            </a:prstTxWarp>
-            <a:spAutoFit/>
-          </a:bodyPr>
-          <a:lstStyle/>
-          <a:p>
-            <a:r>
-              <a:rPr lang="en-US" sz="2400">
-                <a:ea typeface="+mn-lt"/>
-                <a:cs typeface="+mn-lt"/>
-              </a:rPr>
-              <a:t>These outputs compare four models to see which one predicts better. Each confusion matrix shows how many predictions were correct or wrong. The accuracy score tells us how well each model performed. All models had similar results, but </a:t>
-            </a:r>
-            <a:r>
-              <a:rPr lang="en-US" sz="2400" b="1">
-                <a:ea typeface="+mn-lt"/>
-                <a:cs typeface="+mn-lt"/>
-              </a:rPr>
-              <a:t>KNN had the highest accuracy</a:t>
-            </a:r>
-            <a:r>
-              <a:rPr lang="en-US" sz="2400">
-                <a:ea typeface="+mn-lt"/>
-                <a:cs typeface="+mn-lt"/>
-              </a:rPr>
-              <a:t>, meaning it predicted the customer classes the best in this dataset.</a:t>
-            </a:r>
-            <a:endParaRPr lang="en-US" sz="2400"/>
-          </a:p>
-          <a:p>
-            <a:endParaRPr lang="en-US" sz="2000">
-              <a:cs typeface="Segoe UI"/>
-            </a:endParaRPr>
-          </a:p>
-        </p:txBody>
-      </p:sp>
     </p:spTree>
     <p:extLst>
       <p:ext uri="{BB962C8B-B14F-4D97-AF65-F5344CB8AC3E}">
-        <p14:creationId xmlns:p14="http://schemas.microsoft.com/office/powerpoint/2010/main" val="2969267051"/>
+        <p14:creationId xmlns:p14="http://schemas.microsoft.com/office/powerpoint/2010/main" val="2745508935"/>
       </p:ext>
     </p:extLst>
   </p:cSld>
@@ -7110,7 +7159,7 @@
           <p:cNvPr id="2" name="Title 1">
             <a:extLst>
               <a:ext uri="{FF2B5EF4-FFF2-40B4-BE49-F238E27FC236}">
-                <a16:creationId xmlns:a16="http://schemas.microsoft.com/office/drawing/2014/main" id="{8AF8B1C5-1F9A-943D-AA32-9DFC45E41238}"/>
+                <a16:creationId xmlns:a16="http://schemas.microsoft.com/office/drawing/2014/main" id="{4A616C64-CEE6-4C16-72D2-D909792DA7FF}"/>
               </a:ext>
             </a:extLst>
           </p:cNvPr>
@@ -7123,95 +7172,38 @@
         </p:nvSpPr>
         <p:spPr>
           <a:xfrm>
-            <a:off x="700635" y="809528"/>
+            <a:off x="604460" y="825921"/>
             <a:ext cx="10691265" cy="1371030"/>
           </a:xfrm>
         </p:spPr>
         <p:txBody>
-          <a:bodyPr/>
-          <a:lstStyle/>
-          <a:p>
-            <a:r>
-              <a:rPr lang="en-US" b="1"/>
-              <a:t>Task 3 (13) </a:t>
-            </a:r>
-            <a:r>
-              <a:rPr lang="en-US" b="1">
-                <a:ea typeface="+mj-lt"/>
-                <a:cs typeface="+mj-lt"/>
-              </a:rPr>
-              <a:t>Prediction with Random Forest Model</a:t>
-            </a:r>
-          </a:p>
-        </p:txBody>
-      </p:sp>
-      <p:sp>
-        <p:nvSpPr>
-          <p:cNvPr id="3" name="Content Placeholder 2">
-            <a:extLst>
-              <a:ext uri="{FF2B5EF4-FFF2-40B4-BE49-F238E27FC236}">
-                <a16:creationId xmlns:a16="http://schemas.microsoft.com/office/drawing/2014/main" id="{D751C067-02DB-68EF-52EE-1BBBB8850A10}"/>
-              </a:ext>
-            </a:extLst>
-          </p:cNvPr>
-          <p:cNvSpPr>
-            <a:spLocks noGrp="1"/>
-          </p:cNvSpPr>
-          <p:nvPr>
-            <p:ph idx="1"/>
-          </p:nvPr>
-        </p:nvSpPr>
-        <p:spPr>
-          <a:xfrm>
-            <a:off x="700635" y="2189217"/>
-            <a:ext cx="10691265" cy="3636088"/>
-          </a:xfrm>
-        </p:spPr>
-        <p:txBody>
-          <a:bodyPr vert="horz" lIns="91440" tIns="45720" rIns="91440" bIns="45720" rtlCol="0" anchor="t">
+          <a:bodyPr>
             <a:normAutofit/>
           </a:bodyPr>
           <a:lstStyle/>
           <a:p>
-            <a:pPr marL="0" indent="0">
-              <a:buNone/>
-            </a:pPr>
-            <a:r>
-              <a:rPr lang="en-US">
-                <a:ea typeface="+mn-lt"/>
-                <a:cs typeface="+mn-lt"/>
-              </a:rPr>
-              <a:t>The Random Forest model predicted subscription status for the test data, with some predictions matching the actual values and some misclassified. </a:t>
-            </a:r>
-          </a:p>
-          <a:p>
-            <a:pPr marL="0" indent="0">
-              <a:buNone/>
-            </a:pPr>
-            <a:r>
-              <a:rPr lang="en-US">
-                <a:ea typeface="+mn-lt"/>
-                <a:cs typeface="+mn-lt"/>
-              </a:rPr>
-              <a:t>Overall, it captures the pattern in the data but is not perfect. Evaluating metrics like accuracy or F1-score is needed to measure its overall performance.</a:t>
-            </a:r>
-            <a:endParaRPr lang="en-US"/>
+            <a:r>
+              <a:rPr lang="en-US" sz="3200" b="1"/>
+              <a:t>Hierarchical (Horizontal) Clustering:</a:t>
+            </a:r>
           </a:p>
         </p:txBody>
       </p:sp>
       <p:pic>
         <p:nvPicPr>
-          <p:cNvPr id="4" name="Picture 3" descr="A screen shot of a black screen&#10;&#10;AI-generated content may be incorrect.">
-            <a:extLst>
-              <a:ext uri="{FF2B5EF4-FFF2-40B4-BE49-F238E27FC236}">
-                <a16:creationId xmlns:a16="http://schemas.microsoft.com/office/drawing/2014/main" id="{F85F32AB-65F1-1178-1C09-3B90158E5C07}"/>
+          <p:cNvPr id="4" name="Content Placeholder 3" descr="A diagram of a number of clusters&#10;&#10;AI-generated content may be incorrect.">
+            <a:extLst>
+              <a:ext uri="{FF2B5EF4-FFF2-40B4-BE49-F238E27FC236}">
+                <a16:creationId xmlns:a16="http://schemas.microsoft.com/office/drawing/2014/main" id="{3805EE2F-B331-0E77-621D-5451167C7B3A}"/>
               </a:ext>
             </a:extLst>
           </p:cNvPr>
           <p:cNvPicPr>
-            <a:picLocks noChangeAspect="1"/>
+            <a:picLocks noGrp="1" noChangeAspect="1"/>
           </p:cNvPicPr>
-          <p:nvPr/>
+          <p:nvPr>
+            <p:ph idx="1"/>
+          </p:nvPr>
         </p:nvPicPr>
         <p:blipFill>
           <a:blip r:embed="rId2"/>
@@ -7221,18 +7213,88 @@
         </p:blipFill>
         <p:spPr>
           <a:xfrm>
-            <a:off x="7642824" y="3574443"/>
-            <a:ext cx="2598304" cy="2396066"/>
+            <a:off x="6434362" y="1383164"/>
+            <a:ext cx="5213898" cy="4094767"/>
           </a:xfrm>
           <a:prstGeom prst="rect">
             <a:avLst/>
           </a:prstGeom>
         </p:spPr>
       </p:pic>
+      <p:sp>
+        <p:nvSpPr>
+          <p:cNvPr id="5" name="TextBox 4">
+            <a:extLst>
+              <a:ext uri="{FF2B5EF4-FFF2-40B4-BE49-F238E27FC236}">
+                <a16:creationId xmlns:a16="http://schemas.microsoft.com/office/drawing/2014/main" id="{057F0F1B-06DF-8102-8BE8-E94C34256A9A}"/>
+              </a:ext>
+            </a:extLst>
+          </p:cNvPr>
+          <p:cNvSpPr txBox="1"/>
+          <p:nvPr/>
+        </p:nvSpPr>
+        <p:spPr>
+          <a:xfrm>
+            <a:off x="606640" y="1712650"/>
+            <a:ext cx="5518952" cy="3046988"/>
+          </a:xfrm>
+          <a:prstGeom prst="rect">
+            <a:avLst/>
+          </a:prstGeom>
+          <a:noFill/>
+        </p:spPr>
+        <p:txBody>
+          <a:bodyPr rot="0" spcFirstLastPara="0" vertOverflow="overflow" horzOverflow="overflow" vert="horz" wrap="square" lIns="91440" tIns="45720" rIns="91440" bIns="45720" numCol="1" spcCol="0" rtlCol="0" fromWordArt="0" anchor="t" anchorCtr="0" forceAA="0" compatLnSpc="1">
+            <a:prstTxWarp prst="textNoShape">
+              <a:avLst/>
+            </a:prstTxWarp>
+            <a:spAutoFit/>
+          </a:bodyPr>
+          <a:lstStyle/>
+          <a:p>
+            <a:r>
+              <a:rPr lang="en-US" sz="2400" dirty="0">
+                <a:ea typeface="+mn-lt"/>
+                <a:cs typeface="+mn-lt"/>
+              </a:rPr>
+              <a:t>This chart shows how Hierarchical Clustering grouped customers into four clusters based on their </a:t>
+            </a:r>
+            <a:r>
+              <a:rPr lang="en-US" sz="2400" b="1" dirty="0">
+                <a:ea typeface="+mn-lt"/>
+                <a:cs typeface="+mn-lt"/>
+              </a:rPr>
+              <a:t>Age</a:t>
+            </a:r>
+            <a:r>
+              <a:rPr lang="en-US" sz="2400" dirty="0">
+                <a:ea typeface="+mn-lt"/>
+                <a:cs typeface="+mn-lt"/>
+              </a:rPr>
+              <a:t> and </a:t>
+            </a:r>
+            <a:r>
+              <a:rPr lang="en-US" sz="2400" b="1" dirty="0">
+                <a:ea typeface="+mn-lt"/>
+                <a:cs typeface="+mn-lt"/>
+              </a:rPr>
+              <a:t>Purchase Amount</a:t>
+            </a:r>
+            <a:r>
+              <a:rPr lang="en-US" sz="2400" dirty="0">
+                <a:ea typeface="+mn-lt"/>
+                <a:cs typeface="+mn-lt"/>
+              </a:rPr>
+              <a:t>. Each color represents a different group of customers who have similar ages and similar spending levels. It helps us see patterns in shopper behavior.</a:t>
+            </a:r>
+            <a:endParaRPr lang="en-US" sz="2400" dirty="0"/>
+          </a:p>
+        </p:txBody>
+      </p:sp>
     </p:spTree>
     <p:extLst>
       <p:ext uri="{BB962C8B-B14F-4D97-AF65-F5344CB8AC3E}">
-        <p14:creationId xmlns:p14="http://schemas.microsoft.com/office/powerpoint/2010/main" val="2745508935"/>
+        <p14:creationId xmlns:p14="http://schemas.microsoft.com/office/powerpoint/2010/main" val="2865322077"/>
       </p:ext>
     </p:extLst>
   </p:cSld>
@@ -7264,7 +7326,7 @@
           <p:cNvPr id="2" name="Title 1">
             <a:extLst>
               <a:ext uri="{FF2B5EF4-FFF2-40B4-BE49-F238E27FC236}">
-                <a16:creationId xmlns:a16="http://schemas.microsoft.com/office/drawing/2014/main" id="{4A616C64-CEE6-4C16-72D2-D909792DA7FF}"/>
+                <a16:creationId xmlns:a16="http://schemas.microsoft.com/office/drawing/2014/main" id="{8F5E6847-E503-7365-2CC8-78E1204549DB}"/>
               </a:ext>
             </a:extLst>
           </p:cNvPr>
@@ -7277,31 +7339,99 @@
         </p:nvSpPr>
         <p:spPr>
           <a:xfrm>
-            <a:off x="604460" y="825921"/>
-            <a:ext cx="10691265" cy="1371030"/>
-          </a:xfrm>
-        </p:spPr>
-        <p:txBody>
-          <a:bodyPr>
+            <a:off x="700635" y="922096"/>
+            <a:ext cx="10691265" cy="1127930"/>
+          </a:xfrm>
+        </p:spPr>
+        <p:txBody>
+          <a:bodyPr anchor="t">
             <a:normAutofit/>
           </a:bodyPr>
           <a:lstStyle/>
           <a:p>
             <a:r>
-              <a:rPr lang="en-US" sz="2800" b="1">
-                <a:latin typeface="Aptos"/>
-              </a:rPr>
-              <a:t>Hierarchical (Horizontal) Clustering:</a:t>
-            </a:r>
+              <a:rPr lang="en-US" b="1"/>
+              <a:t>Hierarchical (Agglomerative) Clustering:</a:t>
+            </a:r>
+          </a:p>
+        </p:txBody>
+      </p:sp>
+      <p:sp>
+        <p:nvSpPr>
+          <p:cNvPr id="9" name="Content Placeholder 2">
+            <a:extLst>
+              <a:ext uri="{FF2B5EF4-FFF2-40B4-BE49-F238E27FC236}">
+                <a16:creationId xmlns:a16="http://schemas.microsoft.com/office/drawing/2014/main" id="{6082E420-3FD4-AC58-380D-019D8F2E5B9C}"/>
+              </a:ext>
+            </a:extLst>
+          </p:cNvPr>
+          <p:cNvSpPr>
+            <a:spLocks noGrp="1"/>
+          </p:cNvSpPr>
+          <p:nvPr>
+            <p:ph sz="half" idx="1"/>
+          </p:nvPr>
+        </p:nvSpPr>
+        <p:spPr>
+          <a:xfrm>
+            <a:off x="715383" y="2128684"/>
+            <a:ext cx="5304417" cy="3844414"/>
+          </a:xfrm>
+        </p:spPr>
+        <p:txBody>
+          <a:bodyPr vert="horz" lIns="91440" tIns="45720" rIns="91440" bIns="45720" rtlCol="0" anchor="t">
+            <a:normAutofit/>
+          </a:bodyPr>
+          <a:lstStyle/>
+          <a:p>
+            <a:pPr marL="0" indent="0">
+              <a:buNone/>
+            </a:pPr>
+            <a:r>
+              <a:rPr lang="en-US">
+                <a:ea typeface="+mn-lt"/>
+                <a:cs typeface="+mn-lt"/>
+              </a:rPr>
+              <a:t>This dendrogram shows how Hierarchical Clustering grouped customers based on their </a:t>
+            </a:r>
+            <a:r>
+              <a:rPr lang="en-US" b="1">
+                <a:ea typeface="+mn-lt"/>
+                <a:cs typeface="+mn-lt"/>
+              </a:rPr>
+              <a:t>Purchase Amount</a:t>
+            </a:r>
+            <a:r>
+              <a:rPr lang="en-US">
+                <a:ea typeface="+mn-lt"/>
+                <a:cs typeface="+mn-lt"/>
+              </a:rPr>
+              <a:t> and </a:t>
+            </a:r>
+            <a:r>
+              <a:rPr lang="en-US" b="1">
+                <a:ea typeface="+mn-lt"/>
+                <a:cs typeface="+mn-lt"/>
+              </a:rPr>
+              <a:t>Age</a:t>
+            </a:r>
+            <a:r>
+              <a:rPr lang="en-US">
+                <a:ea typeface="+mn-lt"/>
+                <a:cs typeface="+mn-lt"/>
+              </a:rPr>
+              <a:t>. The branches show which customers are similar, clusters that join at lower heights are more alike. This helps us see how many natural customer groups exist in the shopping behavior dataset.</a:t>
+            </a:r>
+            <a:endParaRPr lang="en-US"/>
           </a:p>
         </p:txBody>
       </p:sp>
       <p:pic>
         <p:nvPicPr>
-          <p:cNvPr id="4" name="Content Placeholder 3" descr="A diagram of a number of clusters&#10;&#10;AI-generated content may be incorrect.">
-            <a:extLst>
-              <a:ext uri="{FF2B5EF4-FFF2-40B4-BE49-F238E27FC236}">
-                <a16:creationId xmlns:a16="http://schemas.microsoft.com/office/drawing/2014/main" id="{3805EE2F-B331-0E77-621D-5451167C7B3A}"/>
+          <p:cNvPr id="7" name="Content Placeholder 6" descr="A diagram of a clustering structure&#10;&#10;AI-generated content may be incorrect.">
+            <a:extLst>
+              <a:ext uri="{FF2B5EF4-FFF2-40B4-BE49-F238E27FC236}">
+                <a16:creationId xmlns:a16="http://schemas.microsoft.com/office/drawing/2014/main" id="{66030DA5-007A-E67F-F25E-B34070830DC2}"/>
               </a:ext>
             </a:extLst>
           </p:cNvPr>
@@ -7309,7 +7439,7 @@
             <a:picLocks noGrp="1" noChangeAspect="1"/>
           </p:cNvPicPr>
           <p:nvPr>
-            <p:ph idx="1"/>
+            <p:ph sz="half" idx="2"/>
           </p:nvPr>
         </p:nvPicPr>
         <p:blipFill>
@@ -7320,80 +7450,153 @@
         </p:blipFill>
         <p:spPr>
           <a:xfrm>
-            <a:off x="6434362" y="1383164"/>
-            <a:ext cx="5213898" cy="4094767"/>
-          </a:xfrm>
-          <a:prstGeom prst="rect">
-            <a:avLst/>
-          </a:prstGeom>
-        </p:spPr>
-      </p:pic>
-      <p:sp>
-        <p:nvSpPr>
-          <p:cNvPr id="5" name="TextBox 4">
-            <a:extLst>
-              <a:ext uri="{FF2B5EF4-FFF2-40B4-BE49-F238E27FC236}">
-                <a16:creationId xmlns:a16="http://schemas.microsoft.com/office/drawing/2014/main" id="{057F0F1B-06DF-8102-8BE8-E94C34256A9A}"/>
-              </a:ext>
-            </a:extLst>
-          </p:cNvPr>
-          <p:cNvSpPr txBox="1"/>
-          <p:nvPr/>
-        </p:nvSpPr>
-        <p:spPr>
-          <a:xfrm>
-            <a:off x="606640" y="1712650"/>
-            <a:ext cx="5518952" cy="3046988"/>
+            <a:off x="6172200" y="2277596"/>
+            <a:ext cx="5219700" cy="2909981"/>
           </a:xfrm>
           <a:prstGeom prst="rect">
             <a:avLst/>
           </a:prstGeom>
           <a:noFill/>
         </p:spPr>
-        <p:txBody>
-          <a:bodyPr rot="0" spcFirstLastPara="0" vertOverflow="overflow" horzOverflow="overflow" vert="horz" wrap="square" lIns="91440" tIns="45720" rIns="91440" bIns="45720" numCol="1" spcCol="0" rtlCol="0" fromWordArt="0" anchor="t" anchorCtr="0" forceAA="0" compatLnSpc="1">
-            <a:prstTxWarp prst="textNoShape">
-              <a:avLst/>
-            </a:prstTxWarp>
-            <a:spAutoFit/>
+      </p:pic>
+      <p:sp>
+        <p:nvSpPr>
+          <p:cNvPr id="11" name="Date Placeholder 4">
+            <a:extLst>
+              <a:ext uri="{FF2B5EF4-FFF2-40B4-BE49-F238E27FC236}">
+                <a16:creationId xmlns:a16="http://schemas.microsoft.com/office/drawing/2014/main" id="{4E2603CB-A94A-BB0F-3434-71D111E8686B}"/>
+              </a:ext>
+            </a:extLst>
+          </p:cNvPr>
+          <p:cNvSpPr>
+            <a:spLocks noGrp="1"/>
+          </p:cNvSpPr>
+          <p:nvPr>
+            <p:ph type="dt" sz="half" idx="10"/>
+          </p:nvPr>
+        </p:nvSpPr>
+        <p:spPr>
+          <a:xfrm>
+            <a:off x="8369448" y="6356350"/>
+            <a:ext cx="2592594" cy="365125"/>
+          </a:xfrm>
+        </p:spPr>
+        <p:txBody>
+          <a:bodyPr anchor="ctr">
+            <a:normAutofit/>
           </a:bodyPr>
           <a:lstStyle/>
           <a:p>
-            <a:r>
-              <a:rPr lang="en-US" sz="2400">
-                <a:ea typeface="+mn-lt"/>
-                <a:cs typeface="+mn-lt"/>
-              </a:rPr>
-              <a:t>This chart shows how Hierarchical Clustering grouped customers into four clusters based on their </a:t>
-            </a:r>
-            <a:r>
-              <a:rPr lang="en-US" sz="2400" b="1">
-                <a:ea typeface="+mn-lt"/>
-                <a:cs typeface="+mn-lt"/>
-              </a:rPr>
-              <a:t>Age</a:t>
-            </a:r>
-            <a:r>
-              <a:rPr lang="en-US" sz="2400">
-                <a:ea typeface="+mn-lt"/>
-                <a:cs typeface="+mn-lt"/>
-              </a:rPr>
-              <a:t> and </a:t>
-            </a:r>
-            <a:r>
-              <a:rPr lang="en-US" sz="2400" b="1">
-                <a:ea typeface="+mn-lt"/>
-                <a:cs typeface="+mn-lt"/>
-              </a:rPr>
-              <a:t>Purchase Amount</a:t>
-            </a:r>
-            <a:r>
-              <a:rPr lang="en-US" sz="2400">
-                <a:ea typeface="+mn-lt"/>
-                <a:cs typeface="+mn-lt"/>
-              </a:rPr>
-              <a:t>. Each color represents a different group of customers who have similar ages and similar spending levels. It helps us see patterns in shopper behavior.</a:t>
-            </a:r>
+            <a:pPr>
+              <a:spcAft>
+                <a:spcPts val="600"/>
+              </a:spcAft>
+            </a:pPr>
+            <a:fld id="{865EDDF4-BBA5-4AC3-B52C-D6C2D70C7F3E}" type="datetime1">
+              <a:rPr lang="en-US"/>
+              <a:pPr>
+                <a:spcAft>
+                  <a:spcPts val="600"/>
+                </a:spcAft>
+              </a:pPr>
+              <a:t>11/21/2025</a:t>
+            </a:fld>
+            <a:endParaRPr lang="en-US"/>
+          </a:p>
+        </p:txBody>
+      </p:sp>
+      <p:sp>
+        <p:nvSpPr>
+          <p:cNvPr id="13" name="Footer Placeholder 5">
+            <a:extLst>
+              <a:ext uri="{FF2B5EF4-FFF2-40B4-BE49-F238E27FC236}">
+                <a16:creationId xmlns:a16="http://schemas.microsoft.com/office/drawing/2014/main" id="{3483D11B-C06D-C616-DED8-EACFDC2FE17C}"/>
+              </a:ext>
+            </a:extLst>
+          </p:cNvPr>
+          <p:cNvSpPr>
+            <a:spLocks noGrp="1"/>
+          </p:cNvSpPr>
+          <p:nvPr>
+            <p:ph type="ftr" sz="quarter" idx="11"/>
+          </p:nvPr>
+        </p:nvSpPr>
+        <p:spPr>
+          <a:xfrm>
+            <a:off x="715383" y="6356350"/>
+            <a:ext cx="4539727" cy="365125"/>
+          </a:xfrm>
+        </p:spPr>
+        <p:txBody>
+          <a:bodyPr anchor="ctr">
+            <a:normAutofit/>
+          </a:bodyPr>
+          <a:lstStyle/>
+          <a:p>
+            <a:pPr>
+              <a:lnSpc>
+                <a:spcPct val="90000"/>
+              </a:lnSpc>
+              <a:spcAft>
+                <a:spcPts val="600"/>
+              </a:spcAft>
+            </a:pPr>
+            <a:r>
+              <a:rPr lang="en-US" sz="700"/>
+              <a:t>
+              </a:t>
+            </a:r>
+          </a:p>
+        </p:txBody>
+      </p:sp>
+      <p:sp>
+        <p:nvSpPr>
+          <p:cNvPr id="15" name="Slide Number Placeholder 6">
+            <a:extLst>
+              <a:ext uri="{FF2B5EF4-FFF2-40B4-BE49-F238E27FC236}">
+                <a16:creationId xmlns:a16="http://schemas.microsoft.com/office/drawing/2014/main" id="{682A232F-8D77-2188-408A-80B8D4BA34CC}"/>
+              </a:ext>
+            </a:extLst>
+          </p:cNvPr>
+          <p:cNvSpPr>
+            <a:spLocks noGrp="1"/>
+          </p:cNvSpPr>
+          <p:nvPr>
+            <p:ph type="sldNum" sz="quarter" idx="12"/>
+          </p:nvPr>
+        </p:nvSpPr>
+        <p:spPr>
+          <a:xfrm>
+            <a:off x="10919012" y="6356350"/>
+            <a:ext cx="672354" cy="365125"/>
+          </a:xfrm>
+        </p:spPr>
+        <p:txBody>
+          <a:bodyPr anchor="ctr">
+            <a:normAutofit/>
+          </a:bodyPr>
+          <a:lstStyle/>
+          <a:p>
+            <a:pPr>
+              <a:lnSpc>
+                <a:spcPct val="90000"/>
+              </a:lnSpc>
+              <a:spcAft>
+                <a:spcPts val="600"/>
+              </a:spcAft>
+            </a:pPr>
+            <a:fld id="{E30AF5A0-43BB-4336-8627-9123B9144D80}" type="slidenum">
+              <a:rPr lang="en-US" dirty="0"/>
+              <a:pPr>
+                <a:lnSpc>
+                  <a:spcPct val="90000"/>
+                </a:lnSpc>
+                <a:spcAft>
+                  <a:spcPts val="600"/>
+                </a:spcAft>
+              </a:pPr>
+              <a:t>22</a:t>
+            </a:fld>
             <a:endParaRPr lang="en-US"/>
           </a:p>
         </p:txBody>
@@ -7401,7 +7604,7 @@
     </p:spTree>
     <p:extLst>
       <p:ext uri="{BB962C8B-B14F-4D97-AF65-F5344CB8AC3E}">
-        <p14:creationId xmlns:p14="http://schemas.microsoft.com/office/powerpoint/2010/main" val="2865322077"/>
+        <p14:creationId xmlns:p14="http://schemas.microsoft.com/office/powerpoint/2010/main" val="2964017852"/>
       </p:ext>
     </p:extLst>
   </p:cSld>
@@ -7430,10 +7633,10 @@
       </p:grpSpPr>
       <p:sp>
         <p:nvSpPr>
-          <p:cNvPr id="2" name="Title 1">
-            <a:extLst>
-              <a:ext uri="{FF2B5EF4-FFF2-40B4-BE49-F238E27FC236}">
-                <a16:creationId xmlns:a16="http://schemas.microsoft.com/office/drawing/2014/main" id="{8F5E6847-E503-7365-2CC8-78E1204549DB}"/>
+          <p:cNvPr id="9" name="Title 1">
+            <a:extLst>
+              <a:ext uri="{FF2B5EF4-FFF2-40B4-BE49-F238E27FC236}">
+                <a16:creationId xmlns:a16="http://schemas.microsoft.com/office/drawing/2014/main" id="{4FFFD92A-6E03-E492-B76A-C64B27C37624}"/>
               </a:ext>
             </a:extLst>
           </p:cNvPr>
@@ -7446,29 +7649,31 @@
         </p:nvSpPr>
         <p:spPr>
           <a:xfrm>
-            <a:off x="700635" y="922096"/>
+            <a:off x="748863" y="999261"/>
             <a:ext cx="10691265" cy="1127930"/>
           </a:xfrm>
         </p:spPr>
         <p:txBody>
-          <a:bodyPr anchor="t">
-            <a:normAutofit/>
-          </a:bodyPr>
-          <a:lstStyle/>
-          <a:p>
-            <a:r>
-              <a:rPr lang="en-US" b="1"/>
-              <a:t>Hierarchical (Agglomerative) Clustering:</a:t>
-            </a:r>
-          </a:p>
-        </p:txBody>
-      </p:sp>
-      <p:sp>
-        <p:nvSpPr>
-          <p:cNvPr id="9" name="Content Placeholder 2">
-            <a:extLst>
-              <a:ext uri="{FF2B5EF4-FFF2-40B4-BE49-F238E27FC236}">
-                <a16:creationId xmlns:a16="http://schemas.microsoft.com/office/drawing/2014/main" id="{6082E420-3FD4-AC58-380D-019D8F2E5B9C}"/>
+          <a:bodyPr/>
+          <a:lstStyle/>
+          <a:p>
+            <a:r>
+              <a:rPr lang="en-US" b="1">
+                <a:ea typeface="+mj-lt"/>
+                <a:cs typeface="+mj-lt"/>
+              </a:rPr>
+              <a:t>K-Means Clustering Results</a:t>
+            </a:r>
+            <a:endParaRPr lang="en-US"/>
+          </a:p>
+        </p:txBody>
+      </p:sp>
+      <p:sp>
+        <p:nvSpPr>
+          <p:cNvPr id="11" name="Content Placeholder 2">
+            <a:extLst>
+              <a:ext uri="{FF2B5EF4-FFF2-40B4-BE49-F238E27FC236}">
+                <a16:creationId xmlns:a16="http://schemas.microsoft.com/office/drawing/2014/main" id="{652F9FD0-07FE-8874-EB99-6B7071F6FCC3}"/>
               </a:ext>
             </a:extLst>
           </p:cNvPr>
@@ -7499,13 +7704,27 @@
                 <a:ea typeface="+mn-lt"/>
                 <a:cs typeface="+mn-lt"/>
               </a:rPr>
-              <a:t>This dendrogram shows how Hierarchical Clustering grouped customers based on their </a:t>
+              <a:t>This K-Means chart shows how customers were grouped into four clusters based on </a:t>
             </a:r>
             <a:r>
               <a:rPr lang="en-US" b="1">
                 <a:ea typeface="+mn-lt"/>
                 <a:cs typeface="+mn-lt"/>
               </a:rPr>
+              <a:t>Age</a:t>
+            </a:r>
+            <a:r>
+              <a:rPr lang="en-US">
+                <a:ea typeface="+mn-lt"/>
+                <a:cs typeface="+mn-lt"/>
+              </a:rPr>
+              <a:t> and </a:t>
+            </a:r>
+            <a:r>
+              <a:rPr lang="en-US" b="1">
+                <a:ea typeface="+mn-lt"/>
+                <a:cs typeface="+mn-lt"/>
+              </a:rPr>
               <a:t>Purchase Amount</a:t>
             </a:r>
             <a:r>
@@ -7513,32 +7732,35 @@
                 <a:ea typeface="+mn-lt"/>
                 <a:cs typeface="+mn-lt"/>
               </a:rPr>
-              <a:t> and </a:t>
+              <a:t>. Each color represents a different group of customers with similar shopping behavior. The large yellow circles are the </a:t>
             </a:r>
             <a:r>
               <a:rPr lang="en-US" b="1">
                 <a:ea typeface="+mn-lt"/>
                 <a:cs typeface="+mn-lt"/>
               </a:rPr>
-              <a:t>Age</a:t>
+              <a:t>centroids</a:t>
             </a:r>
             <a:r>
               <a:rPr lang="en-US">
                 <a:ea typeface="+mn-lt"/>
                 <a:cs typeface="+mn-lt"/>
               </a:rPr>
-              <a:t>. The branches show which customers are similar, clusters that join at lower heights are more alike. This helps us see how many natural customer groups exist in the shopping behavior dataset.</a:t>
-            </a:r>
+              <a:t>, which represent the center of each cluster. This output helps us see patterns, such as groups of younger high spenders, older moderate spenders, or younger low spenders inside the shopping behavior dataset.</a:t>
+            </a:r>
+            <a:endParaRPr lang="en-US"/>
+          </a:p>
+          <a:p>
             <a:endParaRPr lang="en-US"/>
           </a:p>
         </p:txBody>
       </p:sp>
       <p:pic>
         <p:nvPicPr>
-          <p:cNvPr id="7" name="Content Placeholder 6" descr="A diagram of a clustering structure&#10;&#10;AI-generated content may be incorrect.">
-            <a:extLst>
-              <a:ext uri="{FF2B5EF4-FFF2-40B4-BE49-F238E27FC236}">
-                <a16:creationId xmlns:a16="http://schemas.microsoft.com/office/drawing/2014/main" id="{66030DA5-007A-E67F-F25E-B34070830DC2}"/>
+          <p:cNvPr id="4" name="Content Placeholder 3" descr="A screen shot of a graph&#10;&#10;AI-generated content may be incorrect.">
+            <a:extLst>
+              <a:ext uri="{FF2B5EF4-FFF2-40B4-BE49-F238E27FC236}">
+                <a16:creationId xmlns:a16="http://schemas.microsoft.com/office/drawing/2014/main" id="{590EA3BD-DBBA-7E21-44AA-92622BD491D9}"/>
               </a:ext>
             </a:extLst>
           </p:cNvPr>
@@ -7551,14 +7773,15 @@
         </p:nvPicPr>
         <p:blipFill>
           <a:blip r:embed="rId2"/>
+          <a:srcRect r="-2" b="11261"/>
           <a:stretch>
             <a:fillRect/>
           </a:stretch>
         </p:blipFill>
         <p:spPr>
           <a:xfrm>
-            <a:off x="6172200" y="2277596"/>
-            <a:ext cx="5219700" cy="2909981"/>
+            <a:off x="6172200" y="2128684"/>
+            <a:ext cx="5219700" cy="3844414"/>
           </a:xfrm>
           <a:prstGeom prst="rect">
             <a:avLst/>
@@ -7568,10 +7791,10 @@
       </p:pic>
       <p:sp>
         <p:nvSpPr>
-          <p:cNvPr id="11" name="Date Placeholder 4">
-            <a:extLst>
-              <a:ext uri="{FF2B5EF4-FFF2-40B4-BE49-F238E27FC236}">
-                <a16:creationId xmlns:a16="http://schemas.microsoft.com/office/drawing/2014/main" id="{4E2603CB-A94A-BB0F-3434-71D111E8686B}"/>
+          <p:cNvPr id="13" name="Date Placeholder 4">
+            <a:extLst>
+              <a:ext uri="{FF2B5EF4-FFF2-40B4-BE49-F238E27FC236}">
+                <a16:creationId xmlns:a16="http://schemas.microsoft.com/office/drawing/2014/main" id="{62F5734C-4EF9-45B8-958D-A47884324723}"/>
               </a:ext>
             </a:extLst>
           </p:cNvPr>
@@ -7589,9 +7812,7 @@
           </a:xfrm>
         </p:spPr>
         <p:txBody>
-          <a:bodyPr anchor="ctr">
-            <a:normAutofit/>
-          </a:bodyPr>
+          <a:bodyPr/>
           <a:lstStyle/>
           <a:p>
             <a:pPr>
@@ -7599,14 +7820,13 @@
                 <a:spcPts val="600"/>
               </a:spcAft>
             </a:pPr>
-            <a:fld id="{865EDDF4-BBA5-4AC3-B52C-D6C2D70C7F3E}" type="datetime1">
-              <a:rPr lang="en-US"/>
+            <a:fld id="{CA35C39C-6E29-449D-8AD9-099DCFF319B1}" type="datetime1">
               <a:pPr>
                 <a:spcAft>
                   <a:spcPts val="600"/>
                 </a:spcAft>
               </a:pPr>
-              <a:t>11/20/2025</a:t>
+              <a:t>11/21/2025</a:t>
             </a:fld>
             <a:endParaRPr lang="en-US"/>
           </a:p>
@@ -7614,10 +7834,10 @@
       </p:sp>
       <p:sp>
         <p:nvSpPr>
-          <p:cNvPr id="13" name="Footer Placeholder 5">
-            <a:extLst>
-              <a:ext uri="{FF2B5EF4-FFF2-40B4-BE49-F238E27FC236}">
-                <a16:creationId xmlns:a16="http://schemas.microsoft.com/office/drawing/2014/main" id="{3483D11B-C06D-C616-DED8-EACFDC2FE17C}"/>
+          <p:cNvPr id="15" name="Footer Placeholder 5">
+            <a:extLst>
+              <a:ext uri="{FF2B5EF4-FFF2-40B4-BE49-F238E27FC236}">
+                <a16:creationId xmlns:a16="http://schemas.microsoft.com/office/drawing/2014/main" id="{E1EE7714-472F-38E0-A95E-AA302E48539A}"/>
               </a:ext>
             </a:extLst>
           </p:cNvPr>
@@ -7635,21 +7855,16 @@
           </a:xfrm>
         </p:spPr>
         <p:txBody>
-          <a:bodyPr anchor="ctr">
-            <a:normAutofit/>
-          </a:bodyPr>
+          <a:bodyPr/>
           <a:lstStyle/>
           <a:p>
             <a:pPr>
-              <a:lnSpc>
-                <a:spcPct val="90000"/>
-              </a:lnSpc>
               <a:spcAft>
                 <a:spcPts val="600"/>
               </a:spcAft>
             </a:pPr>
             <a:r>
-              <a:rPr lang="en-US" sz="700"/>
+              <a:rPr lang="en-US"/>
               <a:t>
               </a:t>
             </a:r>
@@ -7658,10 +7873,10 @@
       </p:sp>
       <p:sp>
         <p:nvSpPr>
-          <p:cNvPr id="15" name="Slide Number Placeholder 6">
-            <a:extLst>
-              <a:ext uri="{FF2B5EF4-FFF2-40B4-BE49-F238E27FC236}">
-                <a16:creationId xmlns:a16="http://schemas.microsoft.com/office/drawing/2014/main" id="{682A232F-8D77-2188-408A-80B8D4BA34CC}"/>
+          <p:cNvPr id="17" name="Slide Number Placeholder 6">
+            <a:extLst>
+              <a:ext uri="{FF2B5EF4-FFF2-40B4-BE49-F238E27FC236}">
+                <a16:creationId xmlns:a16="http://schemas.microsoft.com/office/drawing/2014/main" id="{57073833-CABF-B923-8A02-346B5A6A68B0}"/>
               </a:ext>
             </a:extLst>
           </p:cNvPr>
@@ -7679,15 +7894,10 @@
           </a:xfrm>
         </p:spPr>
         <p:txBody>
-          <a:bodyPr anchor="ctr">
-            <a:normAutofit/>
-          </a:bodyPr>
+          <a:bodyPr/>
           <a:lstStyle/>
           <a:p>
             <a:pPr>
-              <a:lnSpc>
-                <a:spcPct val="90000"/>
-              </a:lnSpc>
               <a:spcAft>
                 <a:spcPts val="600"/>
               </a:spcAft>
@@ -7695,9 +7905,6 @@
             <a:fld id="{E30AF5A0-43BB-4336-8627-9123B9144D80}" type="slidenum">
               <a:rPr lang="en-US" dirty="0"/>
               <a:pPr>
-                <a:lnSpc>
-                  <a:spcPct val="90000"/>
-                </a:lnSpc>
                 <a:spcAft>
                   <a:spcPts val="600"/>
                 </a:spcAft>
@@ -7711,7 +7918,7 @@
     </p:spTree>
     <p:extLst>
       <p:ext uri="{BB962C8B-B14F-4D97-AF65-F5344CB8AC3E}">
-        <p14:creationId xmlns:p14="http://schemas.microsoft.com/office/powerpoint/2010/main" val="2964017852"/>
+        <p14:creationId xmlns:p14="http://schemas.microsoft.com/office/powerpoint/2010/main" val="1848260625"/>
       </p:ext>
     </p:extLst>
   </p:cSld>
@@ -7740,10 +7947,10 @@
       </p:grpSpPr>
       <p:sp>
         <p:nvSpPr>
-          <p:cNvPr id="9" name="Title 1">
-            <a:extLst>
-              <a:ext uri="{FF2B5EF4-FFF2-40B4-BE49-F238E27FC236}">
-                <a16:creationId xmlns:a16="http://schemas.microsoft.com/office/drawing/2014/main" id="{4FFFD92A-6E03-E492-B76A-C64B27C37624}"/>
+          <p:cNvPr id="2" name="Title 1">
+            <a:extLst>
+              <a:ext uri="{FF2B5EF4-FFF2-40B4-BE49-F238E27FC236}">
+                <a16:creationId xmlns:a16="http://schemas.microsoft.com/office/drawing/2014/main" id="{44EA1CFA-A13D-ACDB-9799-8F0D501FAE60}"/>
               </a:ext>
             </a:extLst>
           </p:cNvPr>
@@ -7756,31 +7963,29 @@
         </p:nvSpPr>
         <p:spPr>
           <a:xfrm>
-            <a:off x="748863" y="999261"/>
+            <a:off x="700635" y="922096"/>
             <a:ext cx="10691265" cy="1127930"/>
           </a:xfrm>
         </p:spPr>
         <p:txBody>
-          <a:bodyPr/>
-          <a:lstStyle/>
-          <a:p>
-            <a:r>
-              <a:rPr lang="en-US" b="1">
-                <a:ea typeface="+mj-lt"/>
-                <a:cs typeface="+mj-lt"/>
-              </a:rPr>
-              <a:t>K-Means Clustering Results</a:t>
-            </a:r>
-            <a:endParaRPr lang="en-US"/>
-          </a:p>
-        </p:txBody>
-      </p:sp>
-      <p:sp>
-        <p:nvSpPr>
-          <p:cNvPr id="11" name="Content Placeholder 2">
-            <a:extLst>
-              <a:ext uri="{FF2B5EF4-FFF2-40B4-BE49-F238E27FC236}">
-                <a16:creationId xmlns:a16="http://schemas.microsoft.com/office/drawing/2014/main" id="{652F9FD0-07FE-8874-EB99-6B7071F6FCC3}"/>
+          <a:bodyPr anchor="t">
+            <a:normAutofit/>
+          </a:bodyPr>
+          <a:lstStyle/>
+          <a:p>
+            <a:r>
+              <a:rPr lang="en-US" b="1"/>
+              <a:t>Elbow Method for Optimal K</a:t>
+            </a:r>
+          </a:p>
+        </p:txBody>
+      </p:sp>
+      <p:sp>
+        <p:nvSpPr>
+          <p:cNvPr id="9" name="Content Placeholder 2">
+            <a:extLst>
+              <a:ext uri="{FF2B5EF4-FFF2-40B4-BE49-F238E27FC236}">
+                <a16:creationId xmlns:a16="http://schemas.microsoft.com/office/drawing/2014/main" id="{57AF70A0-857B-CDA9-3CF9-3586C74CEB55}"/>
               </a:ext>
             </a:extLst>
           </p:cNvPr>
@@ -7811,63 +8016,60 @@
                 <a:ea typeface="+mn-lt"/>
                 <a:cs typeface="+mn-lt"/>
               </a:rPr>
-              <a:t>This K-Means chart shows how customers were grouped into four clusters based on </a:t>
+              <a:t>This graph shows the </a:t>
             </a:r>
             <a:r>
               <a:rPr lang="en-US" b="1">
                 <a:ea typeface="+mn-lt"/>
                 <a:cs typeface="+mn-lt"/>
               </a:rPr>
-              <a:t>Age</a:t>
+              <a:t>Elbow Method</a:t>
             </a:r>
             <a:r>
               <a:rPr lang="en-US">
                 <a:ea typeface="+mn-lt"/>
                 <a:cs typeface="+mn-lt"/>
               </a:rPr>
-              <a:t> and </a:t>
+              <a:t>, which helps us choose the best number of clusters for K-Means. As the number of clusters (k) increases, the curve drops quickly at first and then starts to flatten. The “elbow point” around </a:t>
             </a:r>
             <a:r>
               <a:rPr lang="en-US" b="1">
                 <a:ea typeface="+mn-lt"/>
                 <a:cs typeface="+mn-lt"/>
               </a:rPr>
-              <a:t>Purchase Amount</a:t>
+              <a:t>k = 4</a:t>
             </a:r>
             <a:r>
               <a:rPr lang="en-US">
                 <a:ea typeface="+mn-lt"/>
                 <a:cs typeface="+mn-lt"/>
               </a:rPr>
-              <a:t>. Each color represents a different group of customers with similar shopping behavior. The large yellow circles are the </a:t>
+              <a:t> shows the best balance, meaning </a:t>
             </a:r>
             <a:r>
               <a:rPr lang="en-US" b="1">
                 <a:ea typeface="+mn-lt"/>
                 <a:cs typeface="+mn-lt"/>
               </a:rPr>
-              <a:t>centroids</a:t>
+              <a:t>4 clusters</a:t>
             </a:r>
             <a:r>
               <a:rPr lang="en-US">
                 <a:ea typeface="+mn-lt"/>
                 <a:cs typeface="+mn-lt"/>
               </a:rPr>
-              <a:t>, which represent the center of each cluster. This output helps us see patterns, such as groups of younger high spenders, older moderate spenders, or younger low spenders inside the shopping behavior dataset.</a:t>
-            </a:r>
-            <a:endParaRPr lang="en-US"/>
-          </a:p>
-          <a:p>
+              <a:t> is the optimal choice for grouping customers based on Age and Purchase Amount.</a:t>
+            </a:r>
             <a:endParaRPr lang="en-US"/>
           </a:p>
         </p:txBody>
       </p:sp>
       <p:pic>
         <p:nvPicPr>
-          <p:cNvPr id="4" name="Content Placeholder 3" descr="A screen shot of a graph&#10;&#10;AI-generated content may be incorrect.">
-            <a:extLst>
-              <a:ext uri="{FF2B5EF4-FFF2-40B4-BE49-F238E27FC236}">
-                <a16:creationId xmlns:a16="http://schemas.microsoft.com/office/drawing/2014/main" id="{590EA3BD-DBBA-7E21-44AA-92622BD491D9}"/>
+          <p:cNvPr id="4" name="Content Placeholder 3" descr="A graph of a line&#10;&#10;AI-generated content may be incorrect.">
+            <a:extLst>
+              <a:ext uri="{FF2B5EF4-FFF2-40B4-BE49-F238E27FC236}">
+                <a16:creationId xmlns:a16="http://schemas.microsoft.com/office/drawing/2014/main" id="{4368F705-7FC0-1BD8-2170-CB19CDC36A41}"/>
               </a:ext>
             </a:extLst>
           </p:cNvPr>
@@ -7880,15 +8082,14 @@
         </p:nvPicPr>
         <p:blipFill>
           <a:blip r:embed="rId2"/>
-          <a:srcRect r="-2" b="11261"/>
           <a:stretch>
             <a:fillRect/>
           </a:stretch>
         </p:blipFill>
         <p:spPr>
           <a:xfrm>
-            <a:off x="6172200" y="2128684"/>
-            <a:ext cx="5219700" cy="3844414"/>
+            <a:off x="6285677" y="2128684"/>
+            <a:ext cx="4992746" cy="3844414"/>
           </a:xfrm>
           <a:prstGeom prst="rect">
             <a:avLst/>
@@ -7898,10 +8099,10 @@
       </p:pic>
       <p:sp>
         <p:nvSpPr>
-          <p:cNvPr id="13" name="Date Placeholder 4">
-            <a:extLst>
-              <a:ext uri="{FF2B5EF4-FFF2-40B4-BE49-F238E27FC236}">
-                <a16:creationId xmlns:a16="http://schemas.microsoft.com/office/drawing/2014/main" id="{62F5734C-4EF9-45B8-958D-A47884324723}"/>
+          <p:cNvPr id="11" name="Date Placeholder 4">
+            <a:extLst>
+              <a:ext uri="{FF2B5EF4-FFF2-40B4-BE49-F238E27FC236}">
+                <a16:creationId xmlns:a16="http://schemas.microsoft.com/office/drawing/2014/main" id="{47102638-3CD7-D711-1851-5D873BF1777A}"/>
               </a:ext>
             </a:extLst>
           </p:cNvPr>
@@ -7927,13 +8128,13 @@
                 <a:spcPts val="600"/>
               </a:spcAft>
             </a:pPr>
-            <a:fld id="{CA35C39C-6E29-449D-8AD9-099DCFF319B1}" type="datetime1">
+            <a:fld id="{CD213703-B316-4879-BA05-9F64AB2705F4}" type="datetime1">
               <a:pPr>
                 <a:spcAft>
                   <a:spcPts val="600"/>
                 </a:spcAft>
               </a:pPr>
-              <a:t>11/20/2025</a:t>
+              <a:t>11/21/2025</a:t>
             </a:fld>
             <a:endParaRPr lang="en-US"/>
           </a:p>
@@ -7941,10 +8142,10 @@
       </p:sp>
       <p:sp>
         <p:nvSpPr>
-          <p:cNvPr id="15" name="Footer Placeholder 5">
-            <a:extLst>
-              <a:ext uri="{FF2B5EF4-FFF2-40B4-BE49-F238E27FC236}">
-                <a16:creationId xmlns:a16="http://schemas.microsoft.com/office/drawing/2014/main" id="{E1EE7714-472F-38E0-A95E-AA302E48539A}"/>
+          <p:cNvPr id="13" name="Footer Placeholder 5">
+            <a:extLst>
+              <a:ext uri="{FF2B5EF4-FFF2-40B4-BE49-F238E27FC236}">
+                <a16:creationId xmlns:a16="http://schemas.microsoft.com/office/drawing/2014/main" id="{1E983998-4004-0959-34B5-DBCE12D19354}"/>
               </a:ext>
             </a:extLst>
           </p:cNvPr>
@@ -7980,10 +8181,10 @@
       </p:sp>
       <p:sp>
         <p:nvSpPr>
-          <p:cNvPr id="17" name="Slide Number Placeholder 6">
-            <a:extLst>
-              <a:ext uri="{FF2B5EF4-FFF2-40B4-BE49-F238E27FC236}">
-                <a16:creationId xmlns:a16="http://schemas.microsoft.com/office/drawing/2014/main" id="{57073833-CABF-B923-8A02-346B5A6A68B0}"/>
+          <p:cNvPr id="15" name="Slide Number Placeholder 6">
+            <a:extLst>
+              <a:ext uri="{FF2B5EF4-FFF2-40B4-BE49-F238E27FC236}">
+                <a16:creationId xmlns:a16="http://schemas.microsoft.com/office/drawing/2014/main" id="{59E890F5-45B1-93F5-71DA-A2991F723CBD}"/>
               </a:ext>
             </a:extLst>
           </p:cNvPr>
@@ -8025,7 +8226,7 @@
     </p:spTree>
     <p:extLst>
       <p:ext uri="{BB962C8B-B14F-4D97-AF65-F5344CB8AC3E}">
-        <p14:creationId xmlns:p14="http://schemas.microsoft.com/office/powerpoint/2010/main" val="1848260625"/>
+        <p14:creationId xmlns:p14="http://schemas.microsoft.com/office/powerpoint/2010/main" val="3239262983"/>
       </p:ext>
     </p:extLst>
   </p:cSld>
@@ -8057,7 +8258,7 @@
           <p:cNvPr id="2" name="Title 1">
             <a:extLst>
               <a:ext uri="{FF2B5EF4-FFF2-40B4-BE49-F238E27FC236}">
-                <a16:creationId xmlns:a16="http://schemas.microsoft.com/office/drawing/2014/main" id="{44EA1CFA-A13D-ACDB-9799-8F0D501FAE60}"/>
+                <a16:creationId xmlns:a16="http://schemas.microsoft.com/office/drawing/2014/main" id="{F9571DE7-1AF0-9A89-9B4C-5F128CFE43CB}"/>
               </a:ext>
             </a:extLst>
           </p:cNvPr>
@@ -8068,47 +8269,50 @@
             <p:ph type="title"/>
           </p:nvPr>
         </p:nvSpPr>
-        <p:spPr>
-          <a:xfrm>
-            <a:off x="700635" y="922096"/>
-            <a:ext cx="10691265" cy="1127930"/>
-          </a:xfrm>
-        </p:spPr>
-        <p:txBody>
-          <a:bodyPr anchor="t">
-            <a:normAutofit/>
+        <p:spPr/>
+        <p:txBody>
+          <a:bodyPr>
+            <a:normAutofit fontScale="90000"/>
           </a:bodyPr>
           <a:lstStyle/>
           <a:p>
             <a:r>
-              <a:rPr lang="en-US" b="1"/>
-              <a:t>Elbow Method for Optimal K</a:t>
-            </a:r>
-          </a:p>
-        </p:txBody>
-      </p:sp>
-      <p:sp>
-        <p:nvSpPr>
-          <p:cNvPr id="9" name="Content Placeholder 2">
-            <a:extLst>
-              <a:ext uri="{FF2B5EF4-FFF2-40B4-BE49-F238E27FC236}">
-                <a16:creationId xmlns:a16="http://schemas.microsoft.com/office/drawing/2014/main" id="{57AF70A0-857B-CDA9-3CF9-3586C74CEB55}"/>
-              </a:ext>
-            </a:extLst>
-          </p:cNvPr>
-          <p:cNvSpPr>
-            <a:spLocks noGrp="1"/>
-          </p:cNvSpPr>
-          <p:nvPr>
-            <p:ph sz="half" idx="1"/>
-          </p:nvPr>
-        </p:nvSpPr>
-        <p:spPr>
-          <a:xfrm>
-            <a:off x="715383" y="2128684"/>
-            <a:ext cx="5304417" cy="3844414"/>
-          </a:xfrm>
-        </p:spPr>
+              <a:rPr lang="en-US" b="1" dirty="0">
+                <a:ea typeface="+mj-lt"/>
+                <a:cs typeface="+mj-lt"/>
+              </a:rPr>
+              <a:t>Strategy for Improving  the System After Analyzing  the Clusters</a:t>
+            </a:r>
+            <a:endParaRPr lang="en-US" dirty="0"/>
+          </a:p>
+          <a:p>
+            <a:br>
+              <a:rPr lang="en-US" dirty="0"/>
+            </a:br>
+            <a:endParaRPr lang="en-US"/>
+          </a:p>
+          <a:p>
+            <a:endParaRPr lang="en-US"/>
+          </a:p>
+        </p:txBody>
+      </p:sp>
+      <p:sp>
+        <p:nvSpPr>
+          <p:cNvPr id="3" name="Content Placeholder 2">
+            <a:extLst>
+              <a:ext uri="{FF2B5EF4-FFF2-40B4-BE49-F238E27FC236}">
+                <a16:creationId xmlns:a16="http://schemas.microsoft.com/office/drawing/2014/main" id="{E6C3E350-0176-D403-D03F-984F8F486D23}"/>
+              </a:ext>
+            </a:extLst>
+          </p:cNvPr>
+          <p:cNvSpPr>
+            <a:spLocks noGrp="1"/>
+          </p:cNvSpPr>
+          <p:nvPr>
+            <p:ph idx="1"/>
+          </p:nvPr>
+        </p:nvSpPr>
+        <p:spPr/>
         <p:txBody>
           <a:bodyPr vert="horz" lIns="91440" tIns="45720" rIns="91440" bIns="45720" rtlCol="0" anchor="t">
             <a:normAutofit/>
@@ -8123,209 +8327,11 @@
                 <a:ea typeface="+mn-lt"/>
                 <a:cs typeface="+mn-lt"/>
               </a:rPr>
-              <a:t>This graph shows the </a:t>
-            </a:r>
-            <a:r>
-              <a:rPr lang="en-US" b="1">
-                <a:ea typeface="+mn-lt"/>
-                <a:cs typeface="+mn-lt"/>
-              </a:rPr>
-              <a:t>Elbow Method</a:t>
-            </a:r>
-            <a:r>
-              <a:rPr lang="en-US">
-                <a:ea typeface="+mn-lt"/>
-                <a:cs typeface="+mn-lt"/>
-              </a:rPr>
-              <a:t>, which helps us choose the best number of clusters for K-Means. As the number of clusters (k) increases, the curve drops quickly at first and then starts to flatten. The “elbow point” around </a:t>
-            </a:r>
-            <a:r>
-              <a:rPr lang="en-US" b="1">
-                <a:ea typeface="+mn-lt"/>
-                <a:cs typeface="+mn-lt"/>
-              </a:rPr>
-              <a:t>k = 4</a:t>
-            </a:r>
-            <a:r>
-              <a:rPr lang="en-US">
-                <a:ea typeface="+mn-lt"/>
-                <a:cs typeface="+mn-lt"/>
-              </a:rPr>
-              <a:t> shows the best balance, meaning </a:t>
-            </a:r>
-            <a:r>
-              <a:rPr lang="en-US" b="1">
-                <a:ea typeface="+mn-lt"/>
-                <a:cs typeface="+mn-lt"/>
-              </a:rPr>
-              <a:t>4 clusters</a:t>
-            </a:r>
-            <a:r>
-              <a:rPr lang="en-US">
-                <a:ea typeface="+mn-lt"/>
-                <a:cs typeface="+mn-lt"/>
-              </a:rPr>
-              <a:t> is the optimal choice for grouping customers based on Age and Purchase Amount.</a:t>
+              <a:t>After viewing the cluster diagram, we can see that customers fall into four clear groups based on their age and spending. To improve the system, we can give each group personalized offers—for example, rewards for high spenders and discounts for lower spenders. Collecting more data like income or shopping frequency can make the clusters even more accurate. We can also use machine-learning models to predict customer behavior and automatically place new customers into the right cluster for better decision making.</a:t>
             </a:r>
             <a:endParaRPr lang="en-US"/>
           </a:p>
-        </p:txBody>
-      </p:sp>
-      <p:pic>
-        <p:nvPicPr>
-          <p:cNvPr id="4" name="Content Placeholder 3" descr="A graph of a line&#10;&#10;AI-generated content may be incorrect.">
-            <a:extLst>
-              <a:ext uri="{FF2B5EF4-FFF2-40B4-BE49-F238E27FC236}">
-                <a16:creationId xmlns:a16="http://schemas.microsoft.com/office/drawing/2014/main" id="{4368F705-7FC0-1BD8-2170-CB19CDC36A41}"/>
-              </a:ext>
-            </a:extLst>
-          </p:cNvPr>
-          <p:cNvPicPr>
-            <a:picLocks noGrp="1" noChangeAspect="1"/>
-          </p:cNvPicPr>
-          <p:nvPr>
-            <p:ph sz="half" idx="2"/>
-          </p:nvPr>
-        </p:nvPicPr>
-        <p:blipFill>
-          <a:blip r:embed="rId2"/>
-          <a:stretch>
-            <a:fillRect/>
-          </a:stretch>
-        </p:blipFill>
-        <p:spPr>
-          <a:xfrm>
-            <a:off x="6285677" y="2128684"/>
-            <a:ext cx="4992746" cy="3844414"/>
-          </a:xfrm>
-          <a:prstGeom prst="rect">
-            <a:avLst/>
-          </a:prstGeom>
-          <a:noFill/>
-        </p:spPr>
-      </p:pic>
-      <p:sp>
-        <p:nvSpPr>
-          <p:cNvPr id="11" name="Date Placeholder 4">
-            <a:extLst>
-              <a:ext uri="{FF2B5EF4-FFF2-40B4-BE49-F238E27FC236}">
-                <a16:creationId xmlns:a16="http://schemas.microsoft.com/office/drawing/2014/main" id="{47102638-3CD7-D711-1851-5D873BF1777A}"/>
-              </a:ext>
-            </a:extLst>
-          </p:cNvPr>
-          <p:cNvSpPr>
-            <a:spLocks noGrp="1"/>
-          </p:cNvSpPr>
-          <p:nvPr>
-            <p:ph type="dt" sz="half" idx="10"/>
-          </p:nvPr>
-        </p:nvSpPr>
-        <p:spPr>
-          <a:xfrm>
-            <a:off x="8369448" y="6356350"/>
-            <a:ext cx="2592594" cy="365125"/>
-          </a:xfrm>
-        </p:spPr>
-        <p:txBody>
-          <a:bodyPr/>
-          <a:lstStyle/>
-          <a:p>
-            <a:pPr>
-              <a:spcAft>
-                <a:spcPts val="600"/>
-              </a:spcAft>
-            </a:pPr>
-            <a:fld id="{CD213703-B316-4879-BA05-9F64AB2705F4}" type="datetime1">
-              <a:pPr>
-                <a:spcAft>
-                  <a:spcPts val="600"/>
-                </a:spcAft>
-              </a:pPr>
-              <a:t>11/20/2025</a:t>
-            </a:fld>
-            <a:endParaRPr lang="en-US"/>
-          </a:p>
-        </p:txBody>
-      </p:sp>
-      <p:sp>
-        <p:nvSpPr>
-          <p:cNvPr id="13" name="Footer Placeholder 5">
-            <a:extLst>
-              <a:ext uri="{FF2B5EF4-FFF2-40B4-BE49-F238E27FC236}">
-                <a16:creationId xmlns:a16="http://schemas.microsoft.com/office/drawing/2014/main" id="{1E983998-4004-0959-34B5-DBCE12D19354}"/>
-              </a:ext>
-            </a:extLst>
-          </p:cNvPr>
-          <p:cNvSpPr>
-            <a:spLocks noGrp="1"/>
-          </p:cNvSpPr>
-          <p:nvPr>
-            <p:ph type="ftr" sz="quarter" idx="11"/>
-          </p:nvPr>
-        </p:nvSpPr>
-        <p:spPr>
-          <a:xfrm>
-            <a:off x="715383" y="6356350"/>
-            <a:ext cx="4539727" cy="365125"/>
-          </a:xfrm>
-        </p:spPr>
-        <p:txBody>
-          <a:bodyPr/>
-          <a:lstStyle/>
-          <a:p>
-            <a:pPr>
-              <a:spcAft>
-                <a:spcPts val="600"/>
-              </a:spcAft>
-            </a:pPr>
-            <a:r>
-              <a:rPr lang="en-US"/>
-              <a:t>
-              </a:t>
-            </a:r>
-          </a:p>
-        </p:txBody>
-      </p:sp>
-      <p:sp>
-        <p:nvSpPr>
-          <p:cNvPr id="15" name="Slide Number Placeholder 6">
-            <a:extLst>
-              <a:ext uri="{FF2B5EF4-FFF2-40B4-BE49-F238E27FC236}">
-                <a16:creationId xmlns:a16="http://schemas.microsoft.com/office/drawing/2014/main" id="{59E890F5-45B1-93F5-71DA-A2991F723CBD}"/>
-              </a:ext>
-            </a:extLst>
-          </p:cNvPr>
-          <p:cNvSpPr>
-            <a:spLocks noGrp="1"/>
-          </p:cNvSpPr>
-          <p:nvPr>
-            <p:ph type="sldNum" sz="quarter" idx="12"/>
-          </p:nvPr>
-        </p:nvSpPr>
-        <p:spPr>
-          <a:xfrm>
-            <a:off x="10919012" y="6356350"/>
-            <a:ext cx="672354" cy="365125"/>
-          </a:xfrm>
-        </p:spPr>
-        <p:txBody>
-          <a:bodyPr/>
-          <a:lstStyle/>
-          <a:p>
-            <a:pPr>
-              <a:spcAft>
-                <a:spcPts val="600"/>
-              </a:spcAft>
-            </a:pPr>
-            <a:fld id="{E30AF5A0-43BB-4336-8627-9123B9144D80}" type="slidenum">
-              <a:rPr lang="en-US" dirty="0"/>
-              <a:pPr>
-                <a:spcAft>
-                  <a:spcPts val="600"/>
-                </a:spcAft>
-              </a:pPr>
-              <a:t>25</a:t>
-            </a:fld>
+          <a:p>
             <a:endParaRPr lang="en-US"/>
           </a:p>
         </p:txBody>
@@ -8333,7 +8339,7 @@
     </p:spTree>
     <p:extLst>
       <p:ext uri="{BB962C8B-B14F-4D97-AF65-F5344CB8AC3E}">
-        <p14:creationId xmlns:p14="http://schemas.microsoft.com/office/powerpoint/2010/main" val="3239262983"/>
+        <p14:creationId xmlns:p14="http://schemas.microsoft.com/office/powerpoint/2010/main" val="1360698748"/>
       </p:ext>
     </p:extLst>
   </p:cSld>
@@ -8365,119 +8371,6 @@
           <p:cNvPr id="2" name="Title 1">
             <a:extLst>
               <a:ext uri="{FF2B5EF4-FFF2-40B4-BE49-F238E27FC236}">
-                <a16:creationId xmlns:a16="http://schemas.microsoft.com/office/drawing/2014/main" id="{F9571DE7-1AF0-9A89-9B4C-5F128CFE43CB}"/>
-              </a:ext>
-            </a:extLst>
-          </p:cNvPr>
-          <p:cNvSpPr>
-            <a:spLocks noGrp="1"/>
-          </p:cNvSpPr>
-          <p:nvPr>
-            <p:ph type="title"/>
-          </p:nvPr>
-        </p:nvSpPr>
-        <p:spPr/>
-        <p:txBody>
-          <a:bodyPr>
-            <a:normAutofit fontScale="90000"/>
-          </a:bodyPr>
-          <a:lstStyle/>
-          <a:p>
-            <a:r>
-              <a:rPr lang="en-US" b="1" dirty="0">
-                <a:ea typeface="+mj-lt"/>
-                <a:cs typeface="+mj-lt"/>
-              </a:rPr>
-              <a:t>Strategy for Improving the System After Analyzing the Clusters</a:t>
-            </a:r>
-            <a:endParaRPr lang="en-US" dirty="0"/>
-          </a:p>
-          <a:p>
-            <a:br>
-              <a:rPr lang="en-US" dirty="0"/>
-            </a:br>
-            <a:endParaRPr lang="en-US" dirty="0"/>
-          </a:p>
-          <a:p>
-            <a:endParaRPr lang="en-US" dirty="0"/>
-          </a:p>
-        </p:txBody>
-      </p:sp>
-      <p:sp>
-        <p:nvSpPr>
-          <p:cNvPr id="3" name="Content Placeholder 2">
-            <a:extLst>
-              <a:ext uri="{FF2B5EF4-FFF2-40B4-BE49-F238E27FC236}">
-                <a16:creationId xmlns:a16="http://schemas.microsoft.com/office/drawing/2014/main" id="{E6C3E350-0176-D403-D03F-984F8F486D23}"/>
-              </a:ext>
-            </a:extLst>
-          </p:cNvPr>
-          <p:cNvSpPr>
-            <a:spLocks noGrp="1"/>
-          </p:cNvSpPr>
-          <p:nvPr>
-            <p:ph idx="1"/>
-          </p:nvPr>
-        </p:nvSpPr>
-        <p:spPr/>
-        <p:txBody>
-          <a:bodyPr vert="horz" lIns="91440" tIns="45720" rIns="91440" bIns="45720" rtlCol="0" anchor="t">
-            <a:normAutofit/>
-          </a:bodyPr>
-          <a:lstStyle/>
-          <a:p>
-            <a:pPr marL="0" indent="0">
-              <a:buNone/>
-            </a:pPr>
-            <a:r>
-              <a:rPr lang="en-US" dirty="0">
-                <a:ea typeface="+mn-lt"/>
-                <a:cs typeface="+mn-lt"/>
-              </a:rPr>
-              <a:t>After viewing the cluster diagram, we can see that customers fall into four clear groups based on their age and spending. To improve the system, we can give each group personalized offers—for example, rewards for high spenders and discounts for lower spenders. Collecting more data like income or shopping frequency can make the clusters even more accurate. We can also use machine-learning models to predict customer behavior and automatically place new customers into the right cluster for better decision making.</a:t>
-            </a:r>
-            <a:endParaRPr lang="en-US" dirty="0"/>
-          </a:p>
-          <a:p>
-            <a:endParaRPr lang="en-US" dirty="0"/>
-          </a:p>
-        </p:txBody>
-      </p:sp>
-    </p:spTree>
-    <p:extLst>
-      <p:ext uri="{BB962C8B-B14F-4D97-AF65-F5344CB8AC3E}">
-        <p14:creationId xmlns:p14="http://schemas.microsoft.com/office/powerpoint/2010/main" val="1360698748"/>
-      </p:ext>
-    </p:extLst>
-  </p:cSld>
-  <p:clrMapOvr>
-    <a:masterClrMapping/>
-  </p:clrMapOvr>
-</p:sld>
-</file>
-
-<file path=ppt/slides/slide27.xml><?xml version="1.0" encoding="utf-8"?>
-<p:sld xmlns:a="http://schemas.openxmlformats.org/drawingml/2006/main" xmlns:r="http://schemas.openxmlformats.org/officeDocument/2006/relationships" xmlns:p="http://schemas.openxmlformats.org/presentationml/2006/main">
-  <p:cSld>
-    <p:spTree>
-      <p:nvGrpSpPr>
-        <p:cNvPr id="1" name=""/>
-        <p:cNvGrpSpPr/>
-        <p:nvPr/>
-      </p:nvGrpSpPr>
-      <p:grpSpPr>
-        <a:xfrm>
-          <a:off x="0" y="0"/>
-          <a:ext cx="0" cy="0"/>
-          <a:chOff x="0" y="0"/>
-          <a:chExt cx="0" cy="0"/>
-        </a:xfrm>
-      </p:grpSpPr>
-      <p:sp>
-        <p:nvSpPr>
-          <p:cNvPr id="2" name="Title 1">
-            <a:extLst>
-              <a:ext uri="{FF2B5EF4-FFF2-40B4-BE49-F238E27FC236}">
                 <a16:creationId xmlns:a16="http://schemas.microsoft.com/office/drawing/2014/main" id="{5F0A9A99-BC5D-38F0-F816-92777C0D7650}"/>
               </a:ext>
             </a:extLst>
@@ -8503,7 +8396,7 @@
           <a:p>
             <a:pPr algn="ctr"/>
             <a:r>
-              <a:rPr lang="en-US" sz="8800" b="1" dirty="0"/>
+              <a:rPr lang="en-US" sz="8800" b="1"/>
               <a:t>THANK  YOU </a:t>
             </a:r>
           </a:p>
@@ -8531,7 +8424,7 @@
           <a:lstStyle/>
           <a:p>
             <a:fld id="{AD25E7BB-FCDF-4B29-BF38-CC483FC8C6F7}" type="datetime1">
-              <a:t>11/20/2025</a:t>
+              <a:t>11/21/2025</a:t>
             </a:fld>
             <a:endParaRPr lang="en-US"/>
           </a:p>
@@ -8589,7 +8482,7 @@
           <a:p>
             <a:fld id="{E30AF5A0-43BB-4336-8627-9123B9144D80}" type="slidenum">
               <a:rPr lang="en-US" dirty="0"/>
-              <a:t>27</a:t>
+              <a:t>26</a:t>
             </a:fld>
             <a:endParaRPr lang="en-US"/>
           </a:p>
@@ -8745,7 +8638,7 @@
           <a:lstStyle/>
           <a:p>
             <a:fld id="{DA20FF59-CA00-4E9D-8000-8E79F5F456F1}" type="datetime1">
-              <a:t>11/20/2025</a:t>
+              <a:t>11/21/2025</a:t>
             </a:fld>
             <a:endParaRPr lang="en-US"/>
           </a:p>
@@ -9715,7 +9608,7 @@
         <p:spPr>
           <a:xfrm>
             <a:off x="977063" y="357213"/>
-            <a:ext cx="10238622" cy="1739456"/>
+            <a:ext cx="10693363" cy="1739456"/>
           </a:xfrm>
         </p:spPr>
         <p:txBody>
@@ -9734,10 +9627,10 @@
           </a:p>
           <a:p>
             <a:r>
-              <a:rPr lang="en-US" sz="2400" b="1"/>
-              <a:t>Descriptive Statistics Function for the Shopping Behavior Dataset</a:t>
-            </a:r>
-            <a:endParaRPr lang="en-US" sz="2400"/>
+              <a:rPr lang="en-US" sz="2400" b="1" dirty="0"/>
+              <a:t>Descriptive Statistics Function for  the Shopping Behavior Dataset</a:t>
+            </a:r>
+            <a:endParaRPr lang="en-US" sz="2400" dirty="0"/>
           </a:p>
           <a:p>
             <a:endParaRPr lang="en-US"/>
@@ -9820,7 +9713,7 @@
           <a:lstStyle/>
           <a:p>
             <a:fld id="{CBA769D0-9EB2-456C-A2CD-59212BDC9E43}" type="datetime1">
-              <a:t>11/20/2025</a:t>
+              <a:t>11/21/2025</a:t>
             </a:fld>
             <a:endParaRPr lang="en-US"/>
           </a:p>
@@ -10122,7 +10015,7 @@
                   <a:spcPts val="600"/>
                 </a:spcAft>
               </a:pPr>
-              <a:t>11/20/2025</a:t>
+              <a:t>11/21/2025</a:t>
             </a:fld>
             <a:endParaRPr lang="en-US"/>
           </a:p>
@@ -10413,7 +10306,7 @@
                   <a:spcPts val="600"/>
                 </a:spcAft>
               </a:pPr>
-              <a:t>11/20/2025</a:t>
+              <a:t>11/21/2025</a:t>
             </a:fld>
             <a:endParaRPr lang="en-US"/>
           </a:p>
@@ -10619,13 +10512,13 @@
               </a:spcBef>
             </a:pPr>
             <a:r>
-              <a:rPr lang="en-US" sz="1800" b="1" dirty="0">
+              <a:rPr lang="en-US" sz="1800" b="1">
                 <a:ea typeface="+mn-lt"/>
                 <a:cs typeface="+mn-lt"/>
               </a:rPr>
               <a:t>The descriptive statistics show that customers typically spend around $60, with the mean and median almost identical. </a:t>
             </a:r>
-            <a:endParaRPr lang="en-US" b="1" dirty="0">
+            <a:endParaRPr lang="en-US" b="1">
               <a:ea typeface="+mn-lt"/>
               <a:cs typeface="+mn-lt"/>
             </a:endParaRPr>
@@ -10654,13 +10547,13 @@
               </a:spcBef>
             </a:pPr>
             <a:r>
-              <a:rPr lang="en-US" sz="1800" b="1" dirty="0">
+              <a:rPr lang="en-US" sz="1800" b="1">
                 <a:ea typeface="+mn-lt"/>
                 <a:cs typeface="+mn-lt"/>
               </a:rPr>
               <a:t>The spending range runs from $20 to $100, and the moderate standard deviation indicates normal variation without extreme differences. </a:t>
             </a:r>
-            <a:endParaRPr lang="en-US" b="1" dirty="0">
+            <a:endParaRPr lang="en-US" b="1">
               <a:ea typeface="+mn-lt"/>
               <a:cs typeface="+mn-lt"/>
             </a:endParaRPr>
@@ -10689,13 +10582,13 @@
               </a:spcBef>
             </a:pPr>
             <a:r>
-              <a:rPr lang="en-US" sz="1800" b="1" dirty="0">
+              <a:rPr lang="en-US" sz="1800" b="1">
                 <a:ea typeface="+mn-lt"/>
                 <a:cs typeface="+mn-lt"/>
               </a:rPr>
               <a:t>Skewness is very close to zero, and the negative kurtosis shows fewer extreme values, meaning the distribution is balanced and stable. </a:t>
             </a:r>
-            <a:endParaRPr lang="en-US" b="1" dirty="0">
+            <a:endParaRPr lang="en-US" b="1">
               <a:ea typeface="+mn-lt"/>
               <a:cs typeface="+mn-lt"/>
             </a:endParaRPr>
@@ -10724,13 +10617,13 @@
               </a:spcBef>
             </a:pPr>
             <a:r>
-              <a:rPr lang="en-US" sz="1800" b="1" dirty="0">
+              <a:rPr lang="en-US" sz="1800" b="1">
                 <a:ea typeface="+mn-lt"/>
                 <a:cs typeface="+mn-lt"/>
               </a:rPr>
               <a:t>Overall, customer spending is consistent and predictable, making the data reliable for further analysis.</a:t>
             </a:r>
-            <a:endParaRPr lang="en-US" b="1" dirty="0">
+            <a:endParaRPr lang="en-US" b="1">
               <a:ea typeface="+mn-lt"/>
               <a:cs typeface="+mn-lt"/>
             </a:endParaRPr>
@@ -10788,7 +10681,7 @@
                   <a:spcPts val="600"/>
                 </a:spcAft>
               </a:pPr>
-              <a:t>11/20/2025</a:t>
+              <a:t>11/21/2025</a:t>
             </a:fld>
             <a:endParaRPr lang="en-US"/>
           </a:p>
